--- a/wsc/webservice开发实践.pptx
+++ b/wsc/webservice开发实践.pptx
@@ -10,7 +10,7 @@
   <p:sldIdLst>
     <p:sldId id="256" r:id="rId3"/>
     <p:sldId id="263" r:id="rId4"/>
-    <p:sldId id="259" r:id="rId5"/>
+    <p:sldId id="271" r:id="rId5"/>
     <p:sldId id="264" r:id="rId6"/>
     <p:sldId id="260" r:id="rId7"/>
     <p:sldId id="261" r:id="rId8"/>
@@ -3535,62 +3535,53 @@
         <p:nvPr/>
       </p:nvGrpSpPr>
       <p:grpSpPr/>
-      <p:sp>
-        <p:nvSpPr>
-          <p:cNvPr id="2" name="标题 1"/>
-          <p:cNvSpPr>
-            <a:spLocks noGrp="1"/>
-          </p:cNvSpPr>
-          <p:nvPr>
-            <p:ph type="title"/>
-          </p:nvPr>
-        </p:nvSpPr>
-        <p:spPr/>
-        <p:txBody>
-          <a:bodyPr/>
-          <a:p>
-            <a:r>
-              <a:rPr lang="en-US" altLang="zh-CN"/>
-              <a:t>webservice</a:t>
-            </a:r>
-            <a:r>
-              <a:rPr lang="zh-CN" altLang="en-US"/>
-              <a:t>简介</a:t>
-            </a:r>
-            <a:endParaRPr lang="zh-CN" altLang="en-US"/>
-          </a:p>
-        </p:txBody>
-      </p:sp>
-      <p:pic>
-        <p:nvPicPr>
-          <p:cNvPr id="6" name="内容占位符 5"/>
-          <p:cNvPicPr>
-            <a:picLocks noChangeAspect="1"/>
-          </p:cNvPicPr>
-          <p:nvPr>
-            <p:ph idx="1"/>
-          </p:nvPr>
-        </p:nvPicPr>
-        <p:blipFill>
-          <a:blip r:embed="rId1"/>
-          <a:stretch>
-            <a:fillRect/>
-          </a:stretch>
-        </p:blipFill>
-        <p:spPr>
-          <a:xfrm>
-            <a:off x="1118235" y="1111250"/>
-            <a:ext cx="9955530" cy="5046980"/>
-          </a:xfrm>
-          <a:prstGeom prst="rect">
-            <a:avLst/>
-          </a:prstGeom>
-        </p:spPr>
-      </p:pic>
+      <p:graphicFrame>
+        <p:nvGraphicFramePr>
+          <p:cNvPr id="3" name="对象 2"/>
+          <p:cNvGraphicFramePr/>
+          <p:nvPr/>
+        </p:nvGraphicFramePr>
+        <p:xfrm>
+          <a:off x="58420" y="26670"/>
+          <a:ext cx="12049125" cy="6763385"/>
+        </p:xfrm>
+        <a:graphic>
+          <a:graphicData uri="http://schemas.openxmlformats.org/presentationml/2006/ole">
+            <mc:AlternateContent xmlns:mc="http://schemas.openxmlformats.org/markup-compatibility/2006">
+              <mc:Choice xmlns:v="urn:schemas-microsoft-com:vml" Requires="v">
+                <p:oleObj spid="_x0000_s4" name="" r:id="rId1" imgW="5727700" imgH="4889500" progId="Visio.Drawing.11">
+                  <p:embed/>
+                </p:oleObj>
+              </mc:Choice>
+              <mc:Fallback>
+                <p:oleObj name="" r:id="rId1" imgW="5727700" imgH="4889500" progId="Visio.Drawing.11">
+                  <p:embed/>
+                  <p:pic>
+                    <p:nvPicPr>
+                      <p:cNvPr id="0" name="图片 3"/>
+                      <p:cNvPicPr/>
+                      <p:nvPr/>
+                    </p:nvPicPr>
+                    <p:blipFill>
+                      <a:blip r:embed="rId2"/>
+                    </p:blipFill>
+                    <p:spPr>
+                      <a:xfrm>
+                        <a:off x="58420" y="26670"/>
+                        <a:ext cx="12049125" cy="6763385"/>
+                      </a:xfrm>
+                      <a:prstGeom prst="rect">
+                        <a:avLst/>
+                      </a:prstGeom>
+                    </p:spPr>
+                  </p:pic>
+                </p:oleObj>
+              </mc:Fallback>
+            </mc:AlternateContent>
+          </a:graphicData>
+        </a:graphic>
+      </p:graphicFrame>
     </p:spTree>
-    <p:custDataLst>
-      <p:tags r:id="rId2"/>
-    </p:custDataLst>
   </p:cSld>
   <p:clrMapOvr>
     <a:masterClrMapping/>
@@ -3687,7 +3678,7 @@
       </p:sp>
       <p:pic>
         <p:nvPicPr>
-          <p:cNvPr id="-2147482622" name="图片 -2147482623"/>
+          <p:cNvPr id="2" name="图片 -2147482623"/>
           <p:cNvPicPr>
             <a:picLocks noChangeAspect="1"/>
           </p:cNvPicPr>
@@ -3770,7 +3761,7 @@
       </p:sp>
       <p:pic>
         <p:nvPicPr>
-          <p:cNvPr id="-2147482620" name="图片 -2147482621"/>
+          <p:cNvPr id="2" name="图片 -2147482621"/>
           <p:cNvPicPr>
             <a:picLocks noChangeAspect="1"/>
           </p:cNvPicPr>
@@ -4010,14 +4001,6 @@
 </file>
 
 <file path=ppt/tags/tag12.xml><?xml version="1.0" encoding="utf-8"?>
-<p:tagLst xmlns:p="http://schemas.openxmlformats.org/presentationml/2006/main">
-  <p:tag name="KSO_WM_BEAUTIFY_FLAG" val="#wm#"/>
-  <p:tag name="KSO_WM_TEMPLATE_CATEGORY" val="custom"/>
-  <p:tag name="KSO_WM_TEMPLATE_INDEX" val="160510"/>
-</p:tagLst>
-</file>
-
-<file path=ppt/tags/tag13.xml><?xml version="1.0" encoding="utf-8"?>
 <p:tagLst xmlns:p="http://schemas.openxmlformats.org/presentationml/2006/main">
   <p:tag name="KSO_WM_BEAUTIFY_FLAG" val="#wm#"/>
   <p:tag name="KSO_WM_TEMPLATE_CATEGORY" val="custom"/>
@@ -4312,6 +4295,8 @@
       </a:bgFillStyleLst>
     </a:fmtScheme>
   </a:themeElements>
+  <a:objectDefaults/>
+  <a:extraClrSchemeLst/>
   <a:extLst>
     <a:ext uri="{05A4C25C-085E-4340-85A3-A5531E510DB2}">
       <thm15:themeFamily xmlns:thm15="http://schemas.microsoft.com/office/thememl/2012/main" name="Office Theme" id="{62F939B6-93AF-4DB8-9C6B-D6C7DFDC589F}" vid="{4A3C46E8-61CC-4603-A589-7422A47A8E4A}"/>
@@ -4571,6 +4556,8 @@
       </a:bgFillStyleLst>
     </a:fmtScheme>
   </a:themeElements>
+  <a:objectDefaults/>
+  <a:extraClrSchemeLst/>
   <a:extLst>
     <a:ext uri="{05A4C25C-085E-4340-85A3-A5531E510DB2}">
       <thm15:themeFamily xmlns:thm15="http://schemas.microsoft.com/office/thememl/2012/main" name="Office Theme" id="{62F939B6-93AF-4DB8-9C6B-D6C7DFDC589F}" vid="{4A3C46E8-61CC-4603-A589-7422A47A8E4A}"/>

--- a/wsc/webservice开发实践.pptx
+++ b/wsc/webservice开发实践.pptx
@@ -5,18 +5,19 @@
     <p:sldMasterId id="2147483648" r:id="rId1"/>
   </p:sldMasterIdLst>
   <p:notesMasterIdLst>
-    <p:notesMasterId r:id="rId12"/>
+    <p:notesMasterId r:id="rId13"/>
   </p:notesMasterIdLst>
   <p:sldIdLst>
     <p:sldId id="256" r:id="rId3"/>
     <p:sldId id="263" r:id="rId4"/>
     <p:sldId id="271" r:id="rId5"/>
-    <p:sldId id="264" r:id="rId6"/>
-    <p:sldId id="260" r:id="rId7"/>
-    <p:sldId id="261" r:id="rId8"/>
-    <p:sldId id="265" r:id="rId9"/>
-    <p:sldId id="267" r:id="rId10"/>
-    <p:sldId id="268" r:id="rId11"/>
+    <p:sldId id="278" r:id="rId6"/>
+    <p:sldId id="264" r:id="rId7"/>
+    <p:sldId id="260" r:id="rId8"/>
+    <p:sldId id="261" r:id="rId9"/>
+    <p:sldId id="265" r:id="rId10"/>
+    <p:sldId id="267" r:id="rId11"/>
+    <p:sldId id="268" r:id="rId12"/>
   </p:sldIdLst>
   <p:sldSz cx="12192000" cy="6858000"/>
   <p:notesSz cx="7103745" cy="10234295"/>
@@ -116,6 +117,3696 @@
     </a:lvl9pPr>
   </p:defaultTextStyle>
 </p:presentation>
+</file>
+
+<file path=ppt/diagrams/colors1.xml><?xml version="1.0" encoding="utf-8"?>
+<dgm:colorsDef xmlns:dgm="http://schemas.openxmlformats.org/drawingml/2006/diagram" xmlns:a="http://schemas.openxmlformats.org/drawingml/2006/main" uniqueId="urn:microsoft.com/office/officeart/2005/8/colors/accent1_2">
+  <dgm:title val=""/>
+  <dgm:desc val=""/>
+  <dgm:catLst>
+    <dgm:cat type="accent1" pri="11200"/>
+  </dgm:catLst>
+  <dgm:styleLbl name="alignAcc1">
+    <dgm:fillClrLst meth="repeat">
+      <a:schemeClr val="lt1">
+        <a:alpha val="90000"/>
+      </a:schemeClr>
+    </dgm:fillClrLst>
+    <dgm:linClrLst meth="repeat">
+      <a:schemeClr val="accent1"/>
+    </dgm:linClrLst>
+    <dgm:effectClrLst/>
+    <dgm:txLinClrLst/>
+    <dgm:txFillClrLst meth="repeat">
+      <a:schemeClr val="dk1"/>
+    </dgm:txFillClrLst>
+    <dgm:txEffectClrLst/>
+  </dgm:styleLbl>
+  <dgm:styleLbl name="alignAccFollowNode1">
+    <dgm:fillClrLst meth="repeat">
+      <a:schemeClr val="accent1">
+        <a:alpha val="90000"/>
+        <a:tint val="40000"/>
+      </a:schemeClr>
+    </dgm:fillClrLst>
+    <dgm:linClrLst meth="repeat">
+      <a:schemeClr val="accent1">
+        <a:alpha val="90000"/>
+        <a:tint val="40000"/>
+      </a:schemeClr>
+    </dgm:linClrLst>
+    <dgm:effectClrLst/>
+    <dgm:txLinClrLst/>
+    <dgm:txFillClrLst meth="repeat">
+      <a:schemeClr val="dk1"/>
+    </dgm:txFillClrLst>
+    <dgm:txEffectClrLst/>
+  </dgm:styleLbl>
+  <dgm:styleLbl name="alignImgPlace1">
+    <dgm:fillClrLst meth="repeat">
+      <a:schemeClr val="accent1">
+        <a:tint val="50000"/>
+      </a:schemeClr>
+    </dgm:fillClrLst>
+    <dgm:linClrLst meth="repeat">
+      <a:schemeClr val="lt1"/>
+    </dgm:linClrLst>
+    <dgm:effectClrLst/>
+    <dgm:txLinClrLst/>
+    <dgm:txFillClrLst meth="repeat">
+      <a:schemeClr val="lt1"/>
+    </dgm:txFillClrLst>
+    <dgm:txEffectClrLst/>
+  </dgm:styleLbl>
+  <dgm:styleLbl name="alignNode1">
+    <dgm:fillClrLst meth="repeat">
+      <a:schemeClr val="accent1"/>
+    </dgm:fillClrLst>
+    <dgm:linClrLst meth="repeat">
+      <a:schemeClr val="accent1"/>
+    </dgm:linClrLst>
+    <dgm:effectClrLst/>
+    <dgm:txLinClrLst/>
+    <dgm:txFillClrLst/>
+    <dgm:txEffectClrLst/>
+  </dgm:styleLbl>
+  <dgm:styleLbl name="asst0">
+    <dgm:fillClrLst meth="repeat">
+      <a:schemeClr val="accent1"/>
+    </dgm:fillClrLst>
+    <dgm:linClrLst meth="repeat">
+      <a:schemeClr val="lt1"/>
+    </dgm:linClrLst>
+    <dgm:effectClrLst/>
+    <dgm:txLinClrLst/>
+    <dgm:txFillClrLst/>
+    <dgm:txEffectClrLst/>
+  </dgm:styleLbl>
+  <dgm:styleLbl name="asst1">
+    <dgm:fillClrLst meth="repeat">
+      <a:schemeClr val="accent1"/>
+    </dgm:fillClrLst>
+    <dgm:linClrLst meth="repeat">
+      <a:schemeClr val="lt1"/>
+    </dgm:linClrLst>
+    <dgm:effectClrLst/>
+    <dgm:txLinClrLst/>
+    <dgm:txFillClrLst/>
+    <dgm:txEffectClrLst/>
+  </dgm:styleLbl>
+  <dgm:styleLbl name="asst2">
+    <dgm:fillClrLst meth="repeat">
+      <a:schemeClr val="accent1"/>
+    </dgm:fillClrLst>
+    <dgm:linClrLst meth="repeat">
+      <a:schemeClr val="lt1"/>
+    </dgm:linClrLst>
+    <dgm:effectClrLst/>
+    <dgm:txLinClrLst/>
+    <dgm:txFillClrLst/>
+    <dgm:txEffectClrLst/>
+  </dgm:styleLbl>
+  <dgm:styleLbl name="asst3">
+    <dgm:fillClrLst meth="repeat">
+      <a:schemeClr val="accent1"/>
+    </dgm:fillClrLst>
+    <dgm:linClrLst meth="repeat">
+      <a:schemeClr val="lt1"/>
+    </dgm:linClrLst>
+    <dgm:effectClrLst/>
+    <dgm:txLinClrLst/>
+    <dgm:txFillClrLst/>
+    <dgm:txEffectClrLst/>
+  </dgm:styleLbl>
+  <dgm:styleLbl name="asst4">
+    <dgm:fillClrLst meth="repeat">
+      <a:schemeClr val="accent1"/>
+    </dgm:fillClrLst>
+    <dgm:linClrLst meth="repeat">
+      <a:schemeClr val="lt1"/>
+    </dgm:linClrLst>
+    <dgm:effectClrLst/>
+    <dgm:txLinClrLst/>
+    <dgm:txFillClrLst/>
+    <dgm:txEffectClrLst/>
+  </dgm:styleLbl>
+  <dgm:styleLbl name="bgAcc1">
+    <dgm:fillClrLst meth="repeat">
+      <a:schemeClr val="lt1">
+        <a:alpha val="90000"/>
+      </a:schemeClr>
+    </dgm:fillClrLst>
+    <dgm:linClrLst meth="repeat">
+      <a:schemeClr val="accent1"/>
+    </dgm:linClrLst>
+    <dgm:effectClrLst/>
+    <dgm:txLinClrLst/>
+    <dgm:txFillClrLst meth="repeat">
+      <a:schemeClr val="dk1"/>
+    </dgm:txFillClrLst>
+    <dgm:txEffectClrLst/>
+  </dgm:styleLbl>
+  <dgm:styleLbl name="bgAccFollowNode1">
+    <dgm:fillClrLst meth="repeat">
+      <a:schemeClr val="accent1">
+        <a:alpha val="90000"/>
+        <a:tint val="40000"/>
+      </a:schemeClr>
+    </dgm:fillClrLst>
+    <dgm:linClrLst meth="repeat">
+      <a:schemeClr val="accent1">
+        <a:alpha val="90000"/>
+        <a:tint val="40000"/>
+      </a:schemeClr>
+    </dgm:linClrLst>
+    <dgm:effectClrLst/>
+    <dgm:txLinClrLst/>
+    <dgm:txFillClrLst meth="repeat">
+      <a:schemeClr val="dk1"/>
+    </dgm:txFillClrLst>
+    <dgm:txEffectClrLst/>
+  </dgm:styleLbl>
+  <dgm:styleLbl name="bgImgPlace1">
+    <dgm:fillClrLst meth="repeat">
+      <a:schemeClr val="accent1">
+        <a:tint val="50000"/>
+      </a:schemeClr>
+    </dgm:fillClrLst>
+    <dgm:linClrLst meth="repeat">
+      <a:schemeClr val="lt1"/>
+    </dgm:linClrLst>
+    <dgm:effectClrLst/>
+    <dgm:txLinClrLst/>
+    <dgm:txFillClrLst meth="repeat">
+      <a:schemeClr val="lt1"/>
+    </dgm:txFillClrLst>
+    <dgm:txEffectClrLst/>
+  </dgm:styleLbl>
+  <dgm:styleLbl name="bgShp">
+    <dgm:fillClrLst meth="repeat">
+      <a:schemeClr val="accent1">
+        <a:tint val="40000"/>
+      </a:schemeClr>
+    </dgm:fillClrLst>
+    <dgm:linClrLst meth="repeat">
+      <a:schemeClr val="accent1"/>
+    </dgm:linClrLst>
+    <dgm:effectClrLst/>
+    <dgm:txLinClrLst/>
+    <dgm:txFillClrLst meth="repeat">
+      <a:schemeClr val="dk1"/>
+    </dgm:txFillClrLst>
+    <dgm:txEffectClrLst/>
+  </dgm:styleLbl>
+  <dgm:styleLbl name="bgSibTrans2D1">
+    <dgm:fillClrLst meth="repeat">
+      <a:schemeClr val="accent1">
+        <a:tint val="60000"/>
+      </a:schemeClr>
+    </dgm:fillClrLst>
+    <dgm:linClrLst meth="repeat">
+      <a:schemeClr val="accent1">
+        <a:tint val="60000"/>
+      </a:schemeClr>
+    </dgm:linClrLst>
+    <dgm:effectClrLst/>
+    <dgm:txLinClrLst/>
+    <dgm:txFillClrLst/>
+    <dgm:txEffectClrLst/>
+  </dgm:styleLbl>
+  <dgm:styleLbl name="callout">
+    <dgm:fillClrLst meth="repeat">
+      <a:schemeClr val="accent1"/>
+    </dgm:fillClrLst>
+    <dgm:linClrLst meth="repeat">
+      <a:schemeClr val="accent1">
+        <a:tint val="50000"/>
+      </a:schemeClr>
+    </dgm:linClrLst>
+    <dgm:effectClrLst/>
+    <dgm:txLinClrLst/>
+    <dgm:txFillClrLst meth="repeat">
+      <a:schemeClr val="tx1"/>
+    </dgm:txFillClrLst>
+    <dgm:txEffectClrLst/>
+  </dgm:styleLbl>
+  <dgm:styleLbl name="conFgAcc1">
+    <dgm:fillClrLst meth="repeat">
+      <a:schemeClr val="lt1">
+        <a:alpha val="90000"/>
+      </a:schemeClr>
+    </dgm:fillClrLst>
+    <dgm:linClrLst meth="repeat">
+      <a:schemeClr val="accent1"/>
+    </dgm:linClrLst>
+    <dgm:effectClrLst/>
+    <dgm:txLinClrLst/>
+    <dgm:txFillClrLst meth="repeat">
+      <a:schemeClr val="dk1"/>
+    </dgm:txFillClrLst>
+    <dgm:txEffectClrLst/>
+  </dgm:styleLbl>
+  <dgm:styleLbl name="dkBgShp">
+    <dgm:fillClrLst meth="repeat">
+      <a:schemeClr val="accent1">
+        <a:shade val="80000"/>
+      </a:schemeClr>
+    </dgm:fillClrLst>
+    <dgm:linClrLst meth="repeat">
+      <a:schemeClr val="accent1"/>
+    </dgm:linClrLst>
+    <dgm:effectClrLst/>
+    <dgm:txLinClrLst/>
+    <dgm:txFillClrLst meth="repeat">
+      <a:schemeClr val="lt1"/>
+    </dgm:txFillClrLst>
+    <dgm:txEffectClrLst/>
+  </dgm:styleLbl>
+  <dgm:styleLbl name="fgAcc0">
+    <dgm:fillClrLst meth="repeat">
+      <a:schemeClr val="lt1">
+        <a:alpha val="90000"/>
+      </a:schemeClr>
+    </dgm:fillClrLst>
+    <dgm:linClrLst meth="repeat">
+      <a:schemeClr val="accent1"/>
+    </dgm:linClrLst>
+    <dgm:effectClrLst/>
+    <dgm:txLinClrLst/>
+    <dgm:txFillClrLst meth="repeat">
+      <a:schemeClr val="dk1"/>
+    </dgm:txFillClrLst>
+    <dgm:txEffectClrLst/>
+  </dgm:styleLbl>
+  <dgm:styleLbl name="fgAcc1">
+    <dgm:fillClrLst meth="repeat">
+      <a:schemeClr val="lt1">
+        <a:alpha val="90000"/>
+      </a:schemeClr>
+    </dgm:fillClrLst>
+    <dgm:linClrLst meth="repeat">
+      <a:schemeClr val="accent1"/>
+    </dgm:linClrLst>
+    <dgm:effectClrLst/>
+    <dgm:txLinClrLst/>
+    <dgm:txFillClrLst meth="repeat">
+      <a:schemeClr val="dk1"/>
+    </dgm:txFillClrLst>
+    <dgm:txEffectClrLst/>
+  </dgm:styleLbl>
+  <dgm:styleLbl name="fgAcc2">
+    <dgm:fillClrLst meth="repeat">
+      <a:schemeClr val="lt1">
+        <a:alpha val="90000"/>
+      </a:schemeClr>
+    </dgm:fillClrLst>
+    <dgm:linClrLst meth="repeat">
+      <a:schemeClr val="accent1"/>
+    </dgm:linClrLst>
+    <dgm:effectClrLst/>
+    <dgm:txLinClrLst/>
+    <dgm:txFillClrLst meth="repeat">
+      <a:schemeClr val="dk1"/>
+    </dgm:txFillClrLst>
+    <dgm:txEffectClrLst/>
+  </dgm:styleLbl>
+  <dgm:styleLbl name="fgAcc3">
+    <dgm:fillClrLst meth="repeat">
+      <a:schemeClr val="lt1">
+        <a:alpha val="90000"/>
+      </a:schemeClr>
+    </dgm:fillClrLst>
+    <dgm:linClrLst meth="repeat">
+      <a:schemeClr val="accent1"/>
+    </dgm:linClrLst>
+    <dgm:effectClrLst/>
+    <dgm:txLinClrLst/>
+    <dgm:txFillClrLst meth="repeat">
+      <a:schemeClr val="dk1"/>
+    </dgm:txFillClrLst>
+    <dgm:txEffectClrLst/>
+  </dgm:styleLbl>
+  <dgm:styleLbl name="fgAcc4">
+    <dgm:fillClrLst meth="repeat">
+      <a:schemeClr val="lt1">
+        <a:alpha val="90000"/>
+      </a:schemeClr>
+    </dgm:fillClrLst>
+    <dgm:linClrLst meth="repeat">
+      <a:schemeClr val="accent1"/>
+    </dgm:linClrLst>
+    <dgm:effectClrLst/>
+    <dgm:txLinClrLst/>
+    <dgm:txFillClrLst meth="repeat">
+      <a:schemeClr val="dk1"/>
+    </dgm:txFillClrLst>
+    <dgm:txEffectClrLst/>
+  </dgm:styleLbl>
+  <dgm:styleLbl name="fgAccFollowNode1">
+    <dgm:fillClrLst meth="repeat">
+      <a:schemeClr val="accent1">
+        <a:alpha val="90000"/>
+        <a:tint val="40000"/>
+      </a:schemeClr>
+    </dgm:fillClrLst>
+    <dgm:linClrLst meth="repeat">
+      <a:schemeClr val="accent1">
+        <a:alpha val="90000"/>
+        <a:tint val="40000"/>
+      </a:schemeClr>
+    </dgm:linClrLst>
+    <dgm:effectClrLst/>
+    <dgm:txLinClrLst/>
+    <dgm:txFillClrLst meth="repeat">
+      <a:schemeClr val="dk1"/>
+    </dgm:txFillClrLst>
+    <dgm:txEffectClrLst/>
+  </dgm:styleLbl>
+  <dgm:styleLbl name="fgImgPlace1">
+    <dgm:fillClrLst meth="repeat">
+      <a:schemeClr val="accent1">
+        <a:tint val="50000"/>
+      </a:schemeClr>
+    </dgm:fillClrLst>
+    <dgm:linClrLst meth="repeat">
+      <a:schemeClr val="lt1"/>
+    </dgm:linClrLst>
+    <dgm:effectClrLst/>
+    <dgm:txLinClrLst/>
+    <dgm:txFillClrLst meth="repeat">
+      <a:schemeClr val="lt1"/>
+    </dgm:txFillClrLst>
+    <dgm:txEffectClrLst/>
+  </dgm:styleLbl>
+  <dgm:styleLbl name="fgShp">
+    <dgm:fillClrLst meth="repeat">
+      <a:schemeClr val="accent1">
+        <a:tint val="60000"/>
+      </a:schemeClr>
+    </dgm:fillClrLst>
+    <dgm:linClrLst meth="repeat">
+      <a:schemeClr val="lt1"/>
+    </dgm:linClrLst>
+    <dgm:effectClrLst/>
+    <dgm:txLinClrLst/>
+    <dgm:txFillClrLst meth="repeat">
+      <a:schemeClr val="dk1"/>
+    </dgm:txFillClrLst>
+    <dgm:txEffectClrLst/>
+  </dgm:styleLbl>
+  <dgm:styleLbl name="fgSibTrans2D1">
+    <dgm:fillClrLst meth="repeat">
+      <a:schemeClr val="accent1">
+        <a:tint val="60000"/>
+      </a:schemeClr>
+    </dgm:fillClrLst>
+    <dgm:linClrLst meth="repeat">
+      <a:schemeClr val="accent1">
+        <a:tint val="60000"/>
+      </a:schemeClr>
+    </dgm:linClrLst>
+    <dgm:effectClrLst/>
+    <dgm:txLinClrLst/>
+    <dgm:txFillClrLst/>
+    <dgm:txEffectClrLst/>
+  </dgm:styleLbl>
+  <dgm:styleLbl name="lnNode1">
+    <dgm:fillClrLst meth="repeat">
+      <a:schemeClr val="accent1"/>
+    </dgm:fillClrLst>
+    <dgm:linClrLst meth="repeat">
+      <a:schemeClr val="lt1"/>
+    </dgm:linClrLst>
+    <dgm:effectClrLst/>
+    <dgm:txLinClrLst/>
+    <dgm:txFillClrLst/>
+    <dgm:txEffectClrLst/>
+  </dgm:styleLbl>
+  <dgm:styleLbl name="node0">
+    <dgm:fillClrLst meth="repeat">
+      <a:schemeClr val="accent1"/>
+    </dgm:fillClrLst>
+    <dgm:linClrLst meth="repeat">
+      <a:schemeClr val="lt1"/>
+    </dgm:linClrLst>
+    <dgm:effectClrLst/>
+    <dgm:txLinClrLst/>
+    <dgm:txFillClrLst/>
+    <dgm:txEffectClrLst/>
+  </dgm:styleLbl>
+  <dgm:styleLbl name="node1">
+    <dgm:fillClrLst meth="repeat">
+      <a:schemeClr val="accent1"/>
+    </dgm:fillClrLst>
+    <dgm:linClrLst meth="repeat">
+      <a:schemeClr val="lt1"/>
+    </dgm:linClrLst>
+    <dgm:effectClrLst/>
+    <dgm:txLinClrLst/>
+    <dgm:txFillClrLst/>
+    <dgm:txEffectClrLst/>
+  </dgm:styleLbl>
+  <dgm:styleLbl name="node2">
+    <dgm:fillClrLst meth="repeat">
+      <a:schemeClr val="accent1"/>
+    </dgm:fillClrLst>
+    <dgm:linClrLst meth="repeat">
+      <a:schemeClr val="lt1"/>
+    </dgm:linClrLst>
+    <dgm:effectClrLst/>
+    <dgm:txLinClrLst/>
+    <dgm:txFillClrLst/>
+    <dgm:txEffectClrLst/>
+  </dgm:styleLbl>
+  <dgm:styleLbl name="node3">
+    <dgm:fillClrLst meth="repeat">
+      <a:schemeClr val="accent1"/>
+    </dgm:fillClrLst>
+    <dgm:linClrLst meth="repeat">
+      <a:schemeClr val="lt1"/>
+    </dgm:linClrLst>
+    <dgm:effectClrLst/>
+    <dgm:txLinClrLst/>
+    <dgm:txFillClrLst/>
+    <dgm:txEffectClrLst/>
+  </dgm:styleLbl>
+  <dgm:styleLbl name="node4">
+    <dgm:fillClrLst meth="repeat">
+      <a:schemeClr val="accent1"/>
+    </dgm:fillClrLst>
+    <dgm:linClrLst meth="repeat">
+      <a:schemeClr val="lt1"/>
+    </dgm:linClrLst>
+    <dgm:effectClrLst/>
+    <dgm:txLinClrLst/>
+    <dgm:txFillClrLst/>
+    <dgm:txEffectClrLst/>
+  </dgm:styleLbl>
+  <dgm:styleLbl name="parChTrans1D1">
+    <dgm:fillClrLst meth="repeat">
+      <a:schemeClr val="accent1"/>
+    </dgm:fillClrLst>
+    <dgm:linClrLst meth="repeat">
+      <a:schemeClr val="accent1">
+        <a:shade val="60000"/>
+      </a:schemeClr>
+    </dgm:linClrLst>
+    <dgm:effectClrLst/>
+    <dgm:txLinClrLst/>
+    <dgm:txFillClrLst meth="repeat">
+      <a:schemeClr val="tx1"/>
+    </dgm:txFillClrLst>
+    <dgm:txEffectClrLst/>
+  </dgm:styleLbl>
+  <dgm:styleLbl name="parChTrans1D2">
+    <dgm:fillClrLst meth="repeat">
+      <a:schemeClr val="accent1"/>
+    </dgm:fillClrLst>
+    <dgm:linClrLst meth="repeat">
+      <a:schemeClr val="accent1">
+        <a:shade val="60000"/>
+      </a:schemeClr>
+    </dgm:linClrLst>
+    <dgm:effectClrLst/>
+    <dgm:txLinClrLst/>
+    <dgm:txFillClrLst meth="repeat">
+      <a:schemeClr val="tx1"/>
+    </dgm:txFillClrLst>
+    <dgm:txEffectClrLst/>
+  </dgm:styleLbl>
+  <dgm:styleLbl name="parChTrans1D3">
+    <dgm:fillClrLst meth="repeat">
+      <a:schemeClr val="accent1"/>
+    </dgm:fillClrLst>
+    <dgm:linClrLst meth="repeat">
+      <a:schemeClr val="accent1">
+        <a:shade val="80000"/>
+      </a:schemeClr>
+    </dgm:linClrLst>
+    <dgm:effectClrLst/>
+    <dgm:txLinClrLst/>
+    <dgm:txFillClrLst meth="repeat">
+      <a:schemeClr val="tx1"/>
+    </dgm:txFillClrLst>
+    <dgm:txEffectClrLst/>
+  </dgm:styleLbl>
+  <dgm:styleLbl name="parChTrans1D4">
+    <dgm:fillClrLst meth="repeat">
+      <a:schemeClr val="accent1"/>
+    </dgm:fillClrLst>
+    <dgm:linClrLst meth="repeat">
+      <a:schemeClr val="accent1">
+        <a:shade val="80000"/>
+      </a:schemeClr>
+    </dgm:linClrLst>
+    <dgm:effectClrLst/>
+    <dgm:txLinClrLst/>
+    <dgm:txFillClrLst meth="repeat">
+      <a:schemeClr val="tx1"/>
+    </dgm:txFillClrLst>
+    <dgm:txEffectClrLst/>
+  </dgm:styleLbl>
+  <dgm:styleLbl name="parChTrans2D1">
+    <dgm:fillClrLst meth="repeat">
+      <a:schemeClr val="accent1">
+        <a:tint val="60000"/>
+      </a:schemeClr>
+    </dgm:fillClrLst>
+    <dgm:linClrLst meth="repeat">
+      <a:schemeClr val="accent1">
+        <a:tint val="60000"/>
+      </a:schemeClr>
+    </dgm:linClrLst>
+    <dgm:effectClrLst/>
+    <dgm:txLinClrLst/>
+    <dgm:txFillClrLst meth="repeat">
+      <a:schemeClr val="lt1"/>
+    </dgm:txFillClrLst>
+    <dgm:txEffectClrLst/>
+  </dgm:styleLbl>
+  <dgm:styleLbl name="parChTrans2D2">
+    <dgm:fillClrLst meth="repeat">
+      <a:schemeClr val="accent1"/>
+    </dgm:fillClrLst>
+    <dgm:linClrLst meth="repeat">
+      <a:schemeClr val="accent1"/>
+    </dgm:linClrLst>
+    <dgm:effectClrLst/>
+    <dgm:txLinClrLst/>
+    <dgm:txFillClrLst meth="repeat">
+      <a:schemeClr val="lt1"/>
+    </dgm:txFillClrLst>
+    <dgm:txEffectClrLst/>
+  </dgm:styleLbl>
+  <dgm:styleLbl name="parChTrans2D3">
+    <dgm:fillClrLst meth="repeat">
+      <a:schemeClr val="accent1"/>
+    </dgm:fillClrLst>
+    <dgm:linClrLst meth="repeat">
+      <a:schemeClr val="accent1"/>
+    </dgm:linClrLst>
+    <dgm:effectClrLst/>
+    <dgm:txLinClrLst/>
+    <dgm:txFillClrLst meth="repeat">
+      <a:schemeClr val="lt1"/>
+    </dgm:txFillClrLst>
+    <dgm:txEffectClrLst/>
+  </dgm:styleLbl>
+  <dgm:styleLbl name="parChTrans2D4">
+    <dgm:fillClrLst meth="repeat">
+      <a:schemeClr val="accent1"/>
+    </dgm:fillClrLst>
+    <dgm:linClrLst meth="repeat">
+      <a:schemeClr val="accent1"/>
+    </dgm:linClrLst>
+    <dgm:effectClrLst/>
+    <dgm:txLinClrLst/>
+    <dgm:txFillClrLst meth="repeat">
+      <a:schemeClr val="lt1"/>
+    </dgm:txFillClrLst>
+    <dgm:txEffectClrLst/>
+  </dgm:styleLbl>
+  <dgm:styleLbl name="revTx">
+    <dgm:fillClrLst meth="repeat">
+      <a:schemeClr val="lt1">
+        <a:alpha val="0"/>
+      </a:schemeClr>
+    </dgm:fillClrLst>
+    <dgm:linClrLst meth="repeat">
+      <a:schemeClr val="dk1">
+        <a:alpha val="0"/>
+      </a:schemeClr>
+    </dgm:linClrLst>
+    <dgm:effectClrLst/>
+    <dgm:txLinClrLst/>
+    <dgm:txFillClrLst meth="repeat">
+      <a:schemeClr val="tx1"/>
+    </dgm:txFillClrLst>
+    <dgm:txEffectClrLst/>
+  </dgm:styleLbl>
+  <dgm:styleLbl name="sibTrans1D1">
+    <dgm:fillClrLst meth="repeat">
+      <a:schemeClr val="accent1"/>
+    </dgm:fillClrLst>
+    <dgm:linClrLst meth="repeat">
+      <a:schemeClr val="accent1"/>
+    </dgm:linClrLst>
+    <dgm:effectClrLst/>
+    <dgm:txLinClrLst/>
+    <dgm:txFillClrLst meth="repeat">
+      <a:schemeClr val="tx1"/>
+    </dgm:txFillClrLst>
+    <dgm:txEffectClrLst/>
+  </dgm:styleLbl>
+  <dgm:styleLbl name="sibTrans2D1">
+    <dgm:fillClrLst meth="repeat">
+      <a:schemeClr val="accent1">
+        <a:tint val="60000"/>
+      </a:schemeClr>
+    </dgm:fillClrLst>
+    <dgm:linClrLst meth="repeat">
+      <a:schemeClr val="accent1">
+        <a:tint val="60000"/>
+      </a:schemeClr>
+    </dgm:linClrLst>
+    <dgm:effectClrLst/>
+    <dgm:txLinClrLst/>
+    <dgm:txFillClrLst/>
+    <dgm:txEffectClrLst/>
+  </dgm:styleLbl>
+  <dgm:styleLbl name="solidAlignAcc1">
+    <dgm:fillClrLst meth="repeat">
+      <a:schemeClr val="lt1"/>
+    </dgm:fillClrLst>
+    <dgm:linClrLst meth="repeat">
+      <a:schemeClr val="accent1"/>
+    </dgm:linClrLst>
+    <dgm:effectClrLst/>
+    <dgm:txLinClrLst/>
+    <dgm:txFillClrLst meth="repeat">
+      <a:schemeClr val="dk1"/>
+    </dgm:txFillClrLst>
+    <dgm:txEffectClrLst/>
+  </dgm:styleLbl>
+  <dgm:styleLbl name="solidBgAcc1">
+    <dgm:fillClrLst meth="repeat">
+      <a:schemeClr val="lt1"/>
+    </dgm:fillClrLst>
+    <dgm:linClrLst meth="repeat">
+      <a:schemeClr val="accent1"/>
+    </dgm:linClrLst>
+    <dgm:effectClrLst/>
+    <dgm:txLinClrLst/>
+    <dgm:txFillClrLst meth="repeat">
+      <a:schemeClr val="dk1"/>
+    </dgm:txFillClrLst>
+    <dgm:txEffectClrLst/>
+  </dgm:styleLbl>
+  <dgm:styleLbl name="solidFgAcc1">
+    <dgm:fillClrLst meth="repeat">
+      <a:schemeClr val="lt1"/>
+    </dgm:fillClrLst>
+    <dgm:linClrLst meth="repeat">
+      <a:schemeClr val="accent1"/>
+    </dgm:linClrLst>
+    <dgm:effectClrLst/>
+    <dgm:txLinClrLst/>
+    <dgm:txFillClrLst meth="repeat">
+      <a:schemeClr val="dk1"/>
+    </dgm:txFillClrLst>
+    <dgm:txEffectClrLst/>
+  </dgm:styleLbl>
+  <dgm:styleLbl name="trAlignAcc1">
+    <dgm:fillClrLst meth="repeat">
+      <a:schemeClr val="lt1">
+        <a:alpha val="40000"/>
+      </a:schemeClr>
+    </dgm:fillClrLst>
+    <dgm:linClrLst meth="repeat">
+      <a:schemeClr val="accent1"/>
+    </dgm:linClrLst>
+    <dgm:effectClrLst/>
+    <dgm:txLinClrLst/>
+    <dgm:txFillClrLst meth="repeat">
+      <a:schemeClr val="dk1"/>
+    </dgm:txFillClrLst>
+    <dgm:txEffectClrLst/>
+  </dgm:styleLbl>
+  <dgm:styleLbl name="trBgShp">
+    <dgm:fillClrLst meth="repeat">
+      <a:schemeClr val="accent1">
+        <a:tint val="50000"/>
+        <a:alpha val="40000"/>
+      </a:schemeClr>
+    </dgm:fillClrLst>
+    <dgm:linClrLst meth="repeat">
+      <a:schemeClr val="accent1"/>
+    </dgm:linClrLst>
+    <dgm:effectClrLst/>
+    <dgm:txLinClrLst/>
+    <dgm:txFillClrLst meth="repeat">
+      <a:schemeClr val="lt1"/>
+    </dgm:txFillClrLst>
+    <dgm:txEffectClrLst/>
+  </dgm:styleLbl>
+  <dgm:styleLbl name="vennNode1">
+    <dgm:fillClrLst meth="repeat">
+      <a:schemeClr val="accent1">
+        <a:alpha val="50000"/>
+      </a:schemeClr>
+    </dgm:fillClrLst>
+    <dgm:linClrLst meth="repeat">
+      <a:schemeClr val="lt1"/>
+    </dgm:linClrLst>
+    <dgm:effectClrLst/>
+    <dgm:txLinClrLst/>
+    <dgm:txFillClrLst/>
+    <dgm:txEffectClrLst/>
+  </dgm:styleLbl>
+</dgm:colorsDef>
+</file>
+
+<file path=ppt/diagrams/data1.xml><?xml version="1.0" encoding="utf-8"?>
+<dgm:dataModel xmlns:dgm="http://schemas.openxmlformats.org/drawingml/2006/diagram" xmlns:a="http://schemas.openxmlformats.org/drawingml/2006/main">
+  <dgm:ptLst>
+    <dgm:pt modelId="{EB2553A4-2BFB-4CC3-B634-16F5B2B71C5B}" type="doc">
+      <dgm:prSet loTypeId="urn:microsoft.com/office/officeart/2005/8/layout/orgChart1" qsTypeId="urn:microsoft.com/office/officeart/2005/8/quickstyle/simple1" csTypeId="urn:microsoft.com/office/officeart/2005/8/colors/accent1_2"/>
+      <dgm:spPr/>
+    </dgm:pt>
+    <dgm:pt modelId="{D08665D6-A7FD-463D-BF07-13078605E78C}">
+      <dgm:prSet phldr="0" custT="0"/>
+      <dgm:spPr/>
+      <dgm:t>
+        <a:bodyPr wrap="square" lIns="41275" tIns="41275" rIns="41275" bIns="41275" anchor="ctr"/>
+        <a:lstStyle>
+          <a:lvl2pPr marL="285750" indent="-285750">
+            <a:defRPr sz="5000"/>
+          </a:lvl2pPr>
+          <a:lvl3pPr marL="571500" indent="-285750">
+            <a:defRPr sz="5000"/>
+          </a:lvl3pPr>
+          <a:lvl4pPr marL="857250" indent="-285750">
+            <a:defRPr sz="5000"/>
+          </a:lvl4pPr>
+          <a:lvl5pPr marL="1143000" indent="-285750">
+            <a:defRPr sz="5000"/>
+          </a:lvl5pPr>
+          <a:lvl6pPr marL="1428750" indent="-285750">
+            <a:defRPr sz="5000"/>
+          </a:lvl6pPr>
+          <a:lvl7pPr marL="1714500" indent="-285750">
+            <a:defRPr sz="5000"/>
+          </a:lvl7pPr>
+          <a:lvl8pPr marL="2000250" indent="-285750">
+            <a:defRPr sz="5000"/>
+          </a:lvl8pPr>
+          <a:lvl9pPr marL="2286000" indent="-285750">
+            <a:defRPr sz="5000"/>
+          </a:lvl9pPr>
+        </a:lstStyle>
+        <a:p>
+          <a:pPr lvl="0" indent="0" algn="ctr">
+            <a:lnSpc>
+              <a:spcPct val="100000"/>
+            </a:lnSpc>
+            <a:spcBef>
+              <a:spcPct val="0"/>
+            </a:spcBef>
+            <a:spcAft>
+              <a:spcPct val="35000"/>
+            </a:spcAft>
+            <a:buNone/>
+          </a:pPr>
+          <a:r>
+            <a:rPr lang="en-US"/>
+            <a:t>xsd</a:t>
+          </a:r>
+          <a:endParaRPr lang="en-US"/>
+        </a:p>
+      </dgm:t>
+    </dgm:pt>
+    <dgm:pt modelId="{A70F0816-FC58-4917-B11F-402A01540D6A}" cxnId="{F286B4BE-88A9-4404-A603-0533D37A853F}" type="parTrans">
+      <dgm:prSet/>
+      <dgm:spPr/>
+    </dgm:pt>
+    <dgm:pt modelId="{678E8CAD-80EB-41A6-83D2-E82F48A5658A}" cxnId="{F286B4BE-88A9-4404-A603-0533D37A853F}" type="sibTrans">
+      <dgm:prSet/>
+      <dgm:spPr/>
+    </dgm:pt>
+    <dgm:pt modelId="{FFEBFD80-EBA9-4058-AB61-22E8007BE53F}">
+      <dgm:prSet phldr="0" custT="0"/>
+      <dgm:spPr/>
+      <dgm:t>
+        <a:bodyPr wrap="square" lIns="41275" tIns="41275" rIns="41275" bIns="41275" anchor="ctr"/>
+        <a:lstStyle>
+          <a:lvl2pPr marL="285750" indent="-285750">
+            <a:defRPr sz="5000"/>
+          </a:lvl2pPr>
+          <a:lvl3pPr marL="571500" indent="-285750">
+            <a:defRPr sz="5000"/>
+          </a:lvl3pPr>
+          <a:lvl4pPr marL="857250" indent="-285750">
+            <a:defRPr sz="5000"/>
+          </a:lvl4pPr>
+          <a:lvl5pPr marL="1143000" indent="-285750">
+            <a:defRPr sz="5000"/>
+          </a:lvl5pPr>
+          <a:lvl6pPr marL="1428750" indent="-285750">
+            <a:defRPr sz="5000"/>
+          </a:lvl6pPr>
+          <a:lvl7pPr marL="1714500" indent="-285750">
+            <a:defRPr sz="5000"/>
+          </a:lvl7pPr>
+          <a:lvl8pPr marL="2000250" indent="-285750">
+            <a:defRPr sz="5000"/>
+          </a:lvl8pPr>
+          <a:lvl9pPr marL="2286000" indent="-285750">
+            <a:defRPr sz="5000"/>
+          </a:lvl9pPr>
+        </a:lstStyle>
+        <a:p>
+          <a:pPr lvl="0" indent="0" algn="ctr">
+            <a:lnSpc>
+              <a:spcPct val="100000"/>
+            </a:lnSpc>
+            <a:spcBef>
+              <a:spcPct val="0"/>
+            </a:spcBef>
+            <a:spcAft>
+              <a:spcPct val="35000"/>
+            </a:spcAft>
+            <a:buNone/>
+          </a:pPr>
+          <a:r>
+            <a:rPr lang="en-US"/>
+            <a:t>pojo</a:t>
+          </a:r>
+          <a:endParaRPr lang="en-US"/>
+        </a:p>
+      </dgm:t>
+    </dgm:pt>
+    <dgm:pt modelId="{DF1B526A-A5C0-4912-9E24-0437688E318B}" cxnId="{DC80DC96-9ADE-4670-9C8F-EE47E8079559}" type="parTrans">
+      <dgm:prSet/>
+      <dgm:spPr/>
+    </dgm:pt>
+    <dgm:pt modelId="{1489BB21-EBA9-4DD7-88E6-DC7984370ACE}" cxnId="{DC80DC96-9ADE-4670-9C8F-EE47E8079559}" type="sibTrans">
+      <dgm:prSet/>
+      <dgm:spPr/>
+    </dgm:pt>
+    <dgm:pt modelId="{FAFA3001-C575-46D9-B19D-86EDD11AA2D6}">
+      <dgm:prSet phldr="0" custT="0"/>
+      <dgm:spPr/>
+      <dgm:t>
+        <a:bodyPr wrap="square" lIns="41275" tIns="41275" rIns="41275" bIns="41275" anchor="ctr"/>
+        <a:lstStyle>
+          <a:lvl2pPr marL="285750" indent="-285750">
+            <a:defRPr sz="5000"/>
+          </a:lvl2pPr>
+          <a:lvl3pPr marL="571500" indent="-285750">
+            <a:defRPr sz="5000"/>
+          </a:lvl3pPr>
+          <a:lvl4pPr marL="857250" indent="-285750">
+            <a:defRPr sz="5000"/>
+          </a:lvl4pPr>
+          <a:lvl5pPr marL="1143000" indent="-285750">
+            <a:defRPr sz="5000"/>
+          </a:lvl5pPr>
+          <a:lvl6pPr marL="1428750" indent="-285750">
+            <a:defRPr sz="5000"/>
+          </a:lvl6pPr>
+          <a:lvl7pPr marL="1714500" indent="-285750">
+            <a:defRPr sz="5000"/>
+          </a:lvl7pPr>
+          <a:lvl8pPr marL="2000250" indent="-285750">
+            <a:defRPr sz="5000"/>
+          </a:lvl8pPr>
+          <a:lvl9pPr marL="2286000" indent="-285750">
+            <a:defRPr sz="5000"/>
+          </a:lvl9pPr>
+        </a:lstStyle>
+        <a:p>
+          <a:pPr lvl="0" indent="0" algn="ctr">
+            <a:lnSpc>
+              <a:spcPct val="100000"/>
+            </a:lnSpc>
+            <a:spcBef>
+              <a:spcPct val="0"/>
+            </a:spcBef>
+            <a:spcAft>
+              <a:spcPct val="35000"/>
+            </a:spcAft>
+            <a:buNone/>
+          </a:pPr>
+          <a:r>
+            <a:rPr lang="en-US"/>
+            <a:t>xml</a:t>
+          </a:r>
+          <a:endParaRPr lang="en-US"/>
+        </a:p>
+      </dgm:t>
+    </dgm:pt>
+    <dgm:pt modelId="{27AB3C2C-992C-4373-9D9A-2C4781EF5126}" cxnId="{2C7E5B63-7EB4-418A-8C96-F6001E3C3E2C}" type="parTrans">
+      <dgm:prSet/>
+      <dgm:spPr/>
+    </dgm:pt>
+    <dgm:pt modelId="{A921988D-9BFD-41A2-AAC5-200B8CFBBFE5}" cxnId="{2C7E5B63-7EB4-418A-8C96-F6001E3C3E2C}" type="sibTrans">
+      <dgm:prSet/>
+      <dgm:spPr/>
+    </dgm:pt>
+    <dgm:pt modelId="{FFB2F831-F509-4472-94C1-181EB06DA55D}" type="pres">
+      <dgm:prSet presAssocID="{EB2553A4-2BFB-4CC3-B634-16F5B2B71C5B}" presName="hierChild1">
+        <dgm:presLayoutVars>
+          <dgm:orgChart val="1"/>
+          <dgm:chPref val="1"/>
+          <dgm:dir/>
+          <dgm:animOne val="branch"/>
+          <dgm:animLvl val="lvl"/>
+          <dgm:resizeHandles/>
+        </dgm:presLayoutVars>
+      </dgm:prSet>
+      <dgm:spPr/>
+    </dgm:pt>
+    <dgm:pt modelId="{5503F655-79BC-4B33-8ACA-6F1A70008DBE}" type="pres">
+      <dgm:prSet presAssocID="{D08665D6-A7FD-463D-BF07-13078605E78C}" presName="hierRoot1">
+        <dgm:presLayoutVars>
+          <dgm:hierBranch val="init"/>
+        </dgm:presLayoutVars>
+      </dgm:prSet>
+      <dgm:spPr/>
+    </dgm:pt>
+    <dgm:pt modelId="{49114D61-29E6-4D90-AD64-E1972FC47F9F}" type="pres">
+      <dgm:prSet presAssocID="{D08665D6-A7FD-463D-BF07-13078605E78C}" presName="rootComposite1"/>
+      <dgm:spPr/>
+    </dgm:pt>
+    <dgm:pt modelId="{38444F0F-749F-4979-9258-31ADD1626691}" type="pres">
+      <dgm:prSet presAssocID="{D08665D6-A7FD-463D-BF07-13078605E78C}" presName="hierChild2"/>
+      <dgm:spPr/>
+    </dgm:pt>
+    <dgm:pt modelId="{E824DB51-2E3A-4633-BF09-9640A542261B}" type="pres">
+      <dgm:prSet presAssocID="{D08665D6-A7FD-463D-BF07-13078605E78C}" presName="hierChild3"/>
+      <dgm:spPr/>
+    </dgm:pt>
+    <dgm:pt modelId="{1045525C-A66E-428D-94A1-98975BF5F4D6}" type="pres">
+      <dgm:prSet presAssocID="{D08665D6-A7FD-463D-BF07-13078605E78C}" presName="rootText1" presStyleLbl="node0" presStyleIdx="0" presStyleCnt="1">
+        <dgm:presLayoutVars>
+          <dgm:chPref val="3"/>
+        </dgm:presLayoutVars>
+      </dgm:prSet>
+      <dgm:spPr/>
+    </dgm:pt>
+    <dgm:pt modelId="{F0136CE9-AF26-4EBB-8433-9041EB80B1C8}" type="pres">
+      <dgm:prSet presAssocID="{D08665D6-A7FD-463D-BF07-13078605E78C}" presName="rootConnector1" presStyleLbl="node1"/>
+      <dgm:spPr/>
+    </dgm:pt>
+    <dgm:pt modelId="{67EC0394-B3CB-443B-98C0-B4C058E46351}" type="pres">
+      <dgm:prSet presAssocID="{DF1B526A-A5C0-4912-9E24-0437688E318B}" presName="Name37" presStyleLbl="parChTrans1D2" presStyleIdx="0" presStyleCnt="2"/>
+      <dgm:spPr/>
+    </dgm:pt>
+    <dgm:pt modelId="{6059E56C-6C45-4EFE-8E37-E8285A19EAB8}" type="pres">
+      <dgm:prSet presAssocID="{FFEBFD80-EBA9-4058-AB61-22E8007BE53F}" presName="hierRoot2">
+        <dgm:presLayoutVars>
+          <dgm:hierBranch val="init"/>
+        </dgm:presLayoutVars>
+      </dgm:prSet>
+      <dgm:spPr/>
+    </dgm:pt>
+    <dgm:pt modelId="{16A6117F-88DB-45A7-8FCA-38F4D86CC955}" type="pres">
+      <dgm:prSet presAssocID="{FFEBFD80-EBA9-4058-AB61-22E8007BE53F}" presName="rootComposite"/>
+      <dgm:spPr/>
+    </dgm:pt>
+    <dgm:pt modelId="{B1A29729-855C-4EC6-B428-2A3BF75EF92E}" type="pres">
+      <dgm:prSet presAssocID="{FFEBFD80-EBA9-4058-AB61-22E8007BE53F}" presName="hierChild4"/>
+      <dgm:spPr/>
+    </dgm:pt>
+    <dgm:pt modelId="{561CDA7E-67D1-4DE8-99C8-35B20AE9AE1D}" type="pres">
+      <dgm:prSet presAssocID="{FFEBFD80-EBA9-4058-AB61-22E8007BE53F}" presName="hierChild5"/>
+      <dgm:spPr/>
+    </dgm:pt>
+    <dgm:pt modelId="{C12D6FCB-13D5-4B05-B22B-C51809FF3C70}" type="pres">
+      <dgm:prSet presAssocID="{FFEBFD80-EBA9-4058-AB61-22E8007BE53F}" presName="rootText" presStyleLbl="node2" presStyleIdx="0" presStyleCnt="2">
+        <dgm:presLayoutVars>
+          <dgm:chPref val="3"/>
+        </dgm:presLayoutVars>
+      </dgm:prSet>
+      <dgm:spPr/>
+    </dgm:pt>
+    <dgm:pt modelId="{EAB0C7B8-FDBD-4A4E-B92B-F1A1388FA2C9}" type="pres">
+      <dgm:prSet presAssocID="{FFEBFD80-EBA9-4058-AB61-22E8007BE53F}" presName="rootConnector" presStyleLbl="node2" presStyleIdx="0" presStyleCnt="2"/>
+      <dgm:spPr/>
+    </dgm:pt>
+    <dgm:pt modelId="{B9414C11-1F53-4B7F-9F75-E15E949F07DE}" type="pres">
+      <dgm:prSet presAssocID="{27AB3C2C-992C-4373-9D9A-2C4781EF5126}" presName="Name37" presStyleLbl="parChTrans1D2" presStyleIdx="1" presStyleCnt="2"/>
+      <dgm:spPr/>
+    </dgm:pt>
+    <dgm:pt modelId="{AE953B01-4514-4455-8CC4-76116EABFAF0}" type="pres">
+      <dgm:prSet presAssocID="{FAFA3001-C575-46D9-B19D-86EDD11AA2D6}" presName="hierRoot2">
+        <dgm:presLayoutVars>
+          <dgm:hierBranch val="init"/>
+        </dgm:presLayoutVars>
+      </dgm:prSet>
+      <dgm:spPr/>
+    </dgm:pt>
+    <dgm:pt modelId="{90BB5DE5-B783-4DD0-8045-3BF601559F2E}" type="pres">
+      <dgm:prSet presAssocID="{FAFA3001-C575-46D9-B19D-86EDD11AA2D6}" presName="rootComposite"/>
+      <dgm:spPr/>
+    </dgm:pt>
+    <dgm:pt modelId="{84B40056-9FC1-4C6E-9151-ACED7C9A503A}" type="pres">
+      <dgm:prSet presAssocID="{FAFA3001-C575-46D9-B19D-86EDD11AA2D6}" presName="hierChild4"/>
+      <dgm:spPr/>
+    </dgm:pt>
+    <dgm:pt modelId="{BD8C03FE-D258-4575-A9CA-050C9CC6E92D}" type="pres">
+      <dgm:prSet presAssocID="{FAFA3001-C575-46D9-B19D-86EDD11AA2D6}" presName="hierChild5"/>
+      <dgm:spPr/>
+    </dgm:pt>
+    <dgm:pt modelId="{BB7F56B6-A278-4711-810D-9FEEAFC94222}" type="pres">
+      <dgm:prSet presAssocID="{FAFA3001-C575-46D9-B19D-86EDD11AA2D6}" presName="rootText" presStyleLbl="node2" presStyleIdx="1" presStyleCnt="2">
+        <dgm:presLayoutVars>
+          <dgm:chPref val="3"/>
+        </dgm:presLayoutVars>
+      </dgm:prSet>
+      <dgm:spPr/>
+    </dgm:pt>
+    <dgm:pt modelId="{15E5F7BD-D9AA-42FE-8874-84A2A6B59942}" type="pres">
+      <dgm:prSet presAssocID="{FAFA3001-C575-46D9-B19D-86EDD11AA2D6}" presName="rootConnector" presStyleLbl="node2" presStyleIdx="1" presStyleCnt="2"/>
+      <dgm:spPr/>
+    </dgm:pt>
+  </dgm:ptLst>
+  <dgm:cxnLst>
+    <dgm:cxn modelId="{F286B4BE-88A9-4404-A603-0533D37A853F}" srcId="{EB2553A4-2BFB-4CC3-B634-16F5B2B71C5B}" destId="{D08665D6-A7FD-463D-BF07-13078605E78C}" srcOrd="0" destOrd="0" parTransId="{A70F0816-FC58-4917-B11F-402A01540D6A}" sibTransId="{678E8CAD-80EB-41A6-83D2-E82F48A5658A}"/>
+    <dgm:cxn modelId="{DC80DC96-9ADE-4670-9C8F-EE47E8079559}" srcId="{D08665D6-A7FD-463D-BF07-13078605E78C}" destId="{FFEBFD80-EBA9-4058-AB61-22E8007BE53F}" srcOrd="0" destOrd="0" parTransId="{DF1B526A-A5C0-4912-9E24-0437688E318B}" sibTransId="{1489BB21-EBA9-4DD7-88E6-DC7984370ACE}"/>
+    <dgm:cxn modelId="{2C7E5B63-7EB4-418A-8C96-F6001E3C3E2C}" srcId="{D08665D6-A7FD-463D-BF07-13078605E78C}" destId="{FAFA3001-C575-46D9-B19D-86EDD11AA2D6}" srcOrd="1" destOrd="0" parTransId="{27AB3C2C-992C-4373-9D9A-2C4781EF5126}" sibTransId="{A921988D-9BFD-41A2-AAC5-200B8CFBBFE5}"/>
+    <dgm:cxn modelId="{54C91D27-BB47-4366-A0DC-A18D067EBB07}" type="presOf" srcId="{EB2553A4-2BFB-4CC3-B634-16F5B2B71C5B}" destId="{FFB2F831-F509-4472-94C1-181EB06DA55D}" srcOrd="0" destOrd="0"/>
+    <dgm:cxn modelId="{5967988D-53E2-416F-AAF0-12926E57529F}" type="presParOf" srcId="{FFB2F831-F509-4472-94C1-181EB06DA55D}" destId="{5503F655-79BC-4B33-8ACA-6F1A70008DBE}" srcOrd="0" destOrd="0"/>
+    <dgm:cxn modelId="{476D1FE8-4187-4C5B-B830-6E8B53D71C99}" type="presParOf" srcId="{5503F655-79BC-4B33-8ACA-6F1A70008DBE}" destId="{49114D61-29E6-4D90-AD64-E1972FC47F9F}" srcOrd="0" destOrd="0"/>
+    <dgm:cxn modelId="{79783DE7-6C59-4BF1-BA61-C9288F7693D6}" type="presParOf" srcId="{5503F655-79BC-4B33-8ACA-6F1A70008DBE}" destId="{38444F0F-749F-4979-9258-31ADD1626691}" srcOrd="1" destOrd="0"/>
+    <dgm:cxn modelId="{2B25E059-813C-4863-8078-4D697616897C}" type="presParOf" srcId="{5503F655-79BC-4B33-8ACA-6F1A70008DBE}" destId="{E824DB51-2E3A-4633-BF09-9640A542261B}" srcOrd="2" destOrd="0"/>
+    <dgm:cxn modelId="{98B947B0-542E-4A35-8C9F-4BAA34D4A084}" type="presParOf" srcId="{49114D61-29E6-4D90-AD64-E1972FC47F9F}" destId="{1045525C-A66E-428D-94A1-98975BF5F4D6}" srcOrd="0" destOrd="0"/>
+    <dgm:cxn modelId="{10AF24BE-91A7-4A08-828B-810D34B58B1C}" type="presOf" srcId="{D08665D6-A7FD-463D-BF07-13078605E78C}" destId="{1045525C-A66E-428D-94A1-98975BF5F4D6}" srcOrd="0" destOrd="0"/>
+    <dgm:cxn modelId="{E526F904-99BA-4F43-88E1-62F8F91FFE78}" type="presParOf" srcId="{49114D61-29E6-4D90-AD64-E1972FC47F9F}" destId="{F0136CE9-AF26-4EBB-8433-9041EB80B1C8}" srcOrd="1" destOrd="0"/>
+    <dgm:cxn modelId="{5744D7B7-282D-4558-857B-059581941E42}" type="presOf" srcId="{D08665D6-A7FD-463D-BF07-13078605E78C}" destId="{F0136CE9-AF26-4EBB-8433-9041EB80B1C8}" srcOrd="0" destOrd="0"/>
+    <dgm:cxn modelId="{CAB9B530-4B22-4570-ACC5-E38EA264C281}" type="presParOf" srcId="{38444F0F-749F-4979-9258-31ADD1626691}" destId="{67EC0394-B3CB-443B-98C0-B4C058E46351}" srcOrd="0" destOrd="0"/>
+    <dgm:cxn modelId="{B6480770-3E0F-4F97-9145-D591B2FB965B}" type="presOf" srcId="{DF1B526A-A5C0-4912-9E24-0437688E318B}" destId="{67EC0394-B3CB-443B-98C0-B4C058E46351}" srcOrd="0" destOrd="0"/>
+    <dgm:cxn modelId="{C02EE0D8-519C-4359-82AA-9D605CC79CE6}" type="presParOf" srcId="{38444F0F-749F-4979-9258-31ADD1626691}" destId="{6059E56C-6C45-4EFE-8E37-E8285A19EAB8}" srcOrd="1" destOrd="0"/>
+    <dgm:cxn modelId="{018FCB68-3BA7-40DF-8361-FAC448573745}" type="presParOf" srcId="{6059E56C-6C45-4EFE-8E37-E8285A19EAB8}" destId="{16A6117F-88DB-45A7-8FCA-38F4D86CC955}" srcOrd="0" destOrd="0"/>
+    <dgm:cxn modelId="{42B1240D-8BA3-47DD-8916-959527973C0D}" type="presParOf" srcId="{6059E56C-6C45-4EFE-8E37-E8285A19EAB8}" destId="{B1A29729-855C-4EC6-B428-2A3BF75EF92E}" srcOrd="1" destOrd="0"/>
+    <dgm:cxn modelId="{199F4803-7CEF-4BB2-BC53-D0B73E9C5456}" type="presParOf" srcId="{6059E56C-6C45-4EFE-8E37-E8285A19EAB8}" destId="{561CDA7E-67D1-4DE8-99C8-35B20AE9AE1D}" srcOrd="2" destOrd="0"/>
+    <dgm:cxn modelId="{50F9FEA9-DDB5-4E3B-B415-6EA34040B9C6}" type="presParOf" srcId="{16A6117F-88DB-45A7-8FCA-38F4D86CC955}" destId="{C12D6FCB-13D5-4B05-B22B-C51809FF3C70}" srcOrd="0" destOrd="0"/>
+    <dgm:cxn modelId="{FA0869DF-98EC-4199-A73E-197998FB1E1A}" type="presOf" srcId="{FFEBFD80-EBA9-4058-AB61-22E8007BE53F}" destId="{C12D6FCB-13D5-4B05-B22B-C51809FF3C70}" srcOrd="0" destOrd="0"/>
+    <dgm:cxn modelId="{BDAD52DD-47B9-4424-8CA7-FCD54D84D625}" type="presParOf" srcId="{16A6117F-88DB-45A7-8FCA-38F4D86CC955}" destId="{EAB0C7B8-FDBD-4A4E-B92B-F1A1388FA2C9}" srcOrd="1" destOrd="0"/>
+    <dgm:cxn modelId="{4DA880F4-E1D2-42D4-9CC8-B74D5BD494BB}" type="presOf" srcId="{FFEBFD80-EBA9-4058-AB61-22E8007BE53F}" destId="{EAB0C7B8-FDBD-4A4E-B92B-F1A1388FA2C9}" srcOrd="0" destOrd="0"/>
+    <dgm:cxn modelId="{46DA3451-EE16-4035-ADA9-F3F3F32F510D}" type="presParOf" srcId="{38444F0F-749F-4979-9258-31ADD1626691}" destId="{B9414C11-1F53-4B7F-9F75-E15E949F07DE}" srcOrd="2" destOrd="0"/>
+    <dgm:cxn modelId="{0D4CA050-C10D-4FF4-A258-0811B233F1E2}" type="presOf" srcId="{27AB3C2C-992C-4373-9D9A-2C4781EF5126}" destId="{B9414C11-1F53-4B7F-9F75-E15E949F07DE}" srcOrd="0" destOrd="0"/>
+    <dgm:cxn modelId="{05FC02E0-6762-465A-A3F6-2CFF0A91BA2A}" type="presParOf" srcId="{38444F0F-749F-4979-9258-31ADD1626691}" destId="{AE953B01-4514-4455-8CC4-76116EABFAF0}" srcOrd="3" destOrd="0"/>
+    <dgm:cxn modelId="{B40D7E95-E0E6-41C6-92BB-42D00277D665}" type="presParOf" srcId="{AE953B01-4514-4455-8CC4-76116EABFAF0}" destId="{90BB5DE5-B783-4DD0-8045-3BF601559F2E}" srcOrd="0" destOrd="0"/>
+    <dgm:cxn modelId="{F31EB9EF-DEF7-45C9-97CF-B37397EAF5A5}" type="presParOf" srcId="{AE953B01-4514-4455-8CC4-76116EABFAF0}" destId="{84B40056-9FC1-4C6E-9151-ACED7C9A503A}" srcOrd="1" destOrd="0"/>
+    <dgm:cxn modelId="{D336D0CE-AD9E-492C-95A3-94702733E555}" type="presParOf" srcId="{AE953B01-4514-4455-8CC4-76116EABFAF0}" destId="{BD8C03FE-D258-4575-A9CA-050C9CC6E92D}" srcOrd="2" destOrd="0"/>
+    <dgm:cxn modelId="{102A420C-6C03-473F-BC64-BF0452AB4B08}" type="presParOf" srcId="{90BB5DE5-B783-4DD0-8045-3BF601559F2E}" destId="{BB7F56B6-A278-4711-810D-9FEEAFC94222}" srcOrd="0" destOrd="0"/>
+    <dgm:cxn modelId="{7FAEA02C-E414-4374-80C2-FF47E24FB775}" type="presOf" srcId="{FAFA3001-C575-46D9-B19D-86EDD11AA2D6}" destId="{BB7F56B6-A278-4711-810D-9FEEAFC94222}" srcOrd="0" destOrd="0"/>
+    <dgm:cxn modelId="{C21C73A7-3F41-4B8A-A423-296E0AB388F3}" type="presParOf" srcId="{90BB5DE5-B783-4DD0-8045-3BF601559F2E}" destId="{15E5F7BD-D9AA-42FE-8874-84A2A6B59942}" srcOrd="1" destOrd="0"/>
+    <dgm:cxn modelId="{192CED48-30D4-446C-BB51-5D4EB8102A18}" type="presOf" srcId="{FAFA3001-C575-46D9-B19D-86EDD11AA2D6}" destId="{15E5F7BD-D9AA-42FE-8874-84A2A6B59942}" srcOrd="0" destOrd="0"/>
+  </dgm:cxnLst>
+  <dgm:extLst>
+    <a:ext uri="http://schemas.microsoft.com/office/drawing/2008/diagram">
+      <dsp:dataModelExt xmlns:dsp="http://schemas.microsoft.com/office/drawing/2008/diagram" relId="rId5" minVer="http://schemas.openxmlformats.org/drawingml/2006/diagram"/>
+    </a:ext>
+  </dgm:extLst>
+</dgm:dataModel>
+</file>
+
+<file path=ppt/diagrams/drawing1.xml><?xml version="1.0" encoding="utf-8"?>
+<dsp:drawing xmlns:dgm="http://schemas.openxmlformats.org/drawingml/2006/diagram" xmlns:dsp="http://schemas.microsoft.com/office/drawing/2008/diagram" xmlns:a="http://schemas.openxmlformats.org/drawingml/2006/main" xmlns:r="http://schemas.openxmlformats.org/officeDocument/2006/relationships">
+  <dsp:spTree>
+    <dsp:nvGrpSpPr>
+      <dsp:cNvPr id="2" name="组合 1"/>
+      <dsp:cNvGrpSpPr/>
+    </dsp:nvGrpSpPr>
+    <dsp:grpSpPr>
+      <a:xfrm>
+        <a:off x="0" y="0"/>
+        <a:ext cx="8128000" cy="5418455"/>
+        <a:chOff x="0" y="0"/>
+        <a:chExt cx="8128000" cy="5418455"/>
+      </a:xfrm>
+    </dsp:grpSpPr>
+    <dsp:sp>
+      <dsp:nvSpPr>
+        <dsp:cNvPr id="50" name="任意多边形 49"/>
+        <dsp:cNvSpPr/>
+      </dsp:nvSpPr>
+      <dsp:spPr bwMode="white">
+        <a:xfrm>
+          <a:off x="1838914" y="2323056"/>
+          <a:ext cx="2225086" cy="772344"/>
+        </a:xfrm>
+        <a:custGeom>
+          <a:avLst/>
+          <a:gdLst/>
+          <a:ahLst/>
+          <a:cxnLst/>
+          <a:pathLst>
+            <a:path w="3504" h="1216">
+              <a:moveTo>
+                <a:pt x="3504" y="0"/>
+              </a:moveTo>
+              <a:lnTo>
+                <a:pt x="3504" y="608"/>
+              </a:lnTo>
+              <a:lnTo>
+                <a:pt x="0" y="608"/>
+              </a:lnTo>
+              <a:lnTo>
+                <a:pt x="0" y="1216"/>
+              </a:lnTo>
+            </a:path>
+          </a:pathLst>
+        </a:custGeom>
+      </dsp:spPr>
+      <dsp:style>
+        <a:lnRef idx="2">
+          <a:schemeClr val="accent1">
+            <a:shade val="60000"/>
+          </a:schemeClr>
+        </a:lnRef>
+        <a:fillRef idx="0">
+          <a:schemeClr val="accent1"/>
+        </a:fillRef>
+        <a:effectRef idx="0">
+          <a:scrgbClr r="0" g="0" b="0"/>
+        </a:effectRef>
+        <a:fontRef idx="minor"/>
+      </dsp:style>
+      <dsp:txXfrm>
+        <a:off x="1838914" y="2323056"/>
+        <a:ext cx="2225086" cy="772344"/>
+      </dsp:txXfrm>
+    </dsp:sp>
+    <dsp:sp>
+      <dsp:nvSpPr>
+        <dsp:cNvPr id="52" name="任意多边形 51"/>
+        <dsp:cNvSpPr/>
+      </dsp:nvSpPr>
+      <dsp:spPr bwMode="white">
+        <a:xfrm>
+          <a:off x="4064000" y="2323056"/>
+          <a:ext cx="2225086" cy="772344"/>
+        </a:xfrm>
+        <a:custGeom>
+          <a:avLst/>
+          <a:gdLst/>
+          <a:ahLst/>
+          <a:cxnLst/>
+          <a:pathLst>
+            <a:path w="3504" h="1216">
+              <a:moveTo>
+                <a:pt x="0" y="0"/>
+              </a:moveTo>
+              <a:lnTo>
+                <a:pt x="0" y="608"/>
+              </a:lnTo>
+              <a:lnTo>
+                <a:pt x="3504" y="608"/>
+              </a:lnTo>
+              <a:lnTo>
+                <a:pt x="3504" y="1216"/>
+              </a:lnTo>
+            </a:path>
+          </a:pathLst>
+        </a:custGeom>
+      </dsp:spPr>
+      <dsp:style>
+        <a:lnRef idx="2">
+          <a:schemeClr val="accent1">
+            <a:shade val="60000"/>
+          </a:schemeClr>
+        </a:lnRef>
+        <a:fillRef idx="0">
+          <a:schemeClr val="accent1"/>
+        </a:fillRef>
+        <a:effectRef idx="0">
+          <a:scrgbClr r="0" g="0" b="0"/>
+        </a:effectRef>
+        <a:fontRef idx="minor"/>
+      </dsp:style>
+      <dsp:txXfrm>
+        <a:off x="4064000" y="2323056"/>
+        <a:ext cx="2225086" cy="772344"/>
+      </dsp:txXfrm>
+    </dsp:sp>
+    <dsp:sp>
+      <dsp:nvSpPr>
+        <dsp:cNvPr id="3" name="矩形 2"/>
+        <dsp:cNvSpPr/>
+      </dsp:nvSpPr>
+      <dsp:spPr bwMode="white">
+        <a:xfrm>
+          <a:off x="2225086" y="484142"/>
+          <a:ext cx="3677828" cy="1838914"/>
+        </a:xfrm>
+        <a:prstGeom prst="rect">
+          <a:avLst/>
+        </a:prstGeom>
+      </dsp:spPr>
+      <dsp:style>
+        <a:lnRef idx="2">
+          <a:schemeClr val="lt1"/>
+        </a:lnRef>
+        <a:fillRef idx="1">
+          <a:schemeClr val="accent1"/>
+        </a:fillRef>
+        <a:effectRef idx="0">
+          <a:scrgbClr r="0" g="0" b="0"/>
+        </a:effectRef>
+        <a:fontRef idx="minor">
+          <a:schemeClr val="lt1"/>
+        </a:fontRef>
+      </dsp:style>
+      <dsp:txBody>
+        <a:bodyPr wrap="square" lIns="41275" tIns="41275" rIns="41275" bIns="41275" anchor="ctr"/>
+        <a:lstStyle>
+          <a:lvl2pPr marL="285750" indent="-285750">
+            <a:defRPr sz="5000"/>
+          </a:lvl2pPr>
+          <a:lvl3pPr marL="571500" indent="-285750">
+            <a:defRPr sz="5000"/>
+          </a:lvl3pPr>
+          <a:lvl4pPr marL="857250" indent="-285750">
+            <a:defRPr sz="5000"/>
+          </a:lvl4pPr>
+          <a:lvl5pPr marL="1143000" indent="-285750">
+            <a:defRPr sz="5000"/>
+          </a:lvl5pPr>
+          <a:lvl6pPr marL="1428750" indent="-285750">
+            <a:defRPr sz="5000"/>
+          </a:lvl6pPr>
+          <a:lvl7pPr marL="1714500" indent="-285750">
+            <a:defRPr sz="5000"/>
+          </a:lvl7pPr>
+          <a:lvl8pPr marL="2000250" indent="-285750">
+            <a:defRPr sz="5000"/>
+          </a:lvl8pPr>
+          <a:lvl9pPr marL="2286000" indent="-285750">
+            <a:defRPr sz="5000"/>
+          </a:lvl9pPr>
+        </a:lstStyle>
+        <a:p>
+          <a:pPr lvl="0" indent="0" algn="ctr">
+            <a:lnSpc>
+              <a:spcPct val="100000"/>
+            </a:lnSpc>
+            <a:spcBef>
+              <a:spcPct val="0"/>
+            </a:spcBef>
+            <a:spcAft>
+              <a:spcPct val="35000"/>
+            </a:spcAft>
+            <a:buNone/>
+          </a:pPr>
+          <a:r>
+            <a:rPr lang="en-US"/>
+            <a:t>xsd</a:t>
+          </a:r>
+          <a:endParaRPr lang="en-US"/>
+        </a:p>
+      </dsp:txBody>
+      <dsp:txXfrm>
+        <a:off x="2225086" y="484142"/>
+        <a:ext cx="3677828" cy="1838914"/>
+      </dsp:txXfrm>
+    </dsp:sp>
+    <dsp:sp>
+      <dsp:nvSpPr>
+        <dsp:cNvPr id="6" name="矩形 5"/>
+        <dsp:cNvSpPr/>
+      </dsp:nvSpPr>
+      <dsp:spPr bwMode="white">
+        <a:xfrm>
+          <a:off x="0" y="3095399"/>
+          <a:ext cx="3677828" cy="1838914"/>
+        </a:xfrm>
+        <a:prstGeom prst="rect">
+          <a:avLst/>
+        </a:prstGeom>
+      </dsp:spPr>
+      <dsp:style>
+        <a:lnRef idx="2">
+          <a:schemeClr val="lt1"/>
+        </a:lnRef>
+        <a:fillRef idx="1">
+          <a:schemeClr val="accent1"/>
+        </a:fillRef>
+        <a:effectRef idx="0">
+          <a:scrgbClr r="0" g="0" b="0"/>
+        </a:effectRef>
+        <a:fontRef idx="minor">
+          <a:schemeClr val="lt1"/>
+        </a:fontRef>
+      </dsp:style>
+      <dsp:txBody>
+        <a:bodyPr wrap="square" lIns="41275" tIns="41275" rIns="41275" bIns="41275" anchor="ctr"/>
+        <a:lstStyle>
+          <a:lvl2pPr marL="285750" indent="-285750">
+            <a:defRPr sz="5000"/>
+          </a:lvl2pPr>
+          <a:lvl3pPr marL="571500" indent="-285750">
+            <a:defRPr sz="5000"/>
+          </a:lvl3pPr>
+          <a:lvl4pPr marL="857250" indent="-285750">
+            <a:defRPr sz="5000"/>
+          </a:lvl4pPr>
+          <a:lvl5pPr marL="1143000" indent="-285750">
+            <a:defRPr sz="5000"/>
+          </a:lvl5pPr>
+          <a:lvl6pPr marL="1428750" indent="-285750">
+            <a:defRPr sz="5000"/>
+          </a:lvl6pPr>
+          <a:lvl7pPr marL="1714500" indent="-285750">
+            <a:defRPr sz="5000"/>
+          </a:lvl7pPr>
+          <a:lvl8pPr marL="2000250" indent="-285750">
+            <a:defRPr sz="5000"/>
+          </a:lvl8pPr>
+          <a:lvl9pPr marL="2286000" indent="-285750">
+            <a:defRPr sz="5000"/>
+          </a:lvl9pPr>
+        </a:lstStyle>
+        <a:p>
+          <a:pPr lvl="0" indent="0" algn="ctr">
+            <a:lnSpc>
+              <a:spcPct val="100000"/>
+            </a:lnSpc>
+            <a:spcBef>
+              <a:spcPct val="0"/>
+            </a:spcBef>
+            <a:spcAft>
+              <a:spcPct val="35000"/>
+            </a:spcAft>
+            <a:buNone/>
+          </a:pPr>
+          <a:r>
+            <a:rPr lang="en-US"/>
+            <a:t>pojo</a:t>
+          </a:r>
+          <a:endParaRPr lang="en-US"/>
+        </a:p>
+      </dsp:txBody>
+      <dsp:txXfrm>
+        <a:off x="0" y="3095399"/>
+        <a:ext cx="3677828" cy="1838914"/>
+      </dsp:txXfrm>
+    </dsp:sp>
+    <dsp:sp>
+      <dsp:nvSpPr>
+        <dsp:cNvPr id="7" name="矩形 6"/>
+        <dsp:cNvSpPr/>
+      </dsp:nvSpPr>
+      <dsp:spPr bwMode="white">
+        <a:xfrm>
+          <a:off x="4450172" y="3095399"/>
+          <a:ext cx="3677828" cy="1838914"/>
+        </a:xfrm>
+        <a:prstGeom prst="rect">
+          <a:avLst/>
+        </a:prstGeom>
+      </dsp:spPr>
+      <dsp:style>
+        <a:lnRef idx="2">
+          <a:schemeClr val="lt1"/>
+        </a:lnRef>
+        <a:fillRef idx="1">
+          <a:schemeClr val="accent1"/>
+        </a:fillRef>
+        <a:effectRef idx="0">
+          <a:scrgbClr r="0" g="0" b="0"/>
+        </a:effectRef>
+        <a:fontRef idx="minor">
+          <a:schemeClr val="lt1"/>
+        </a:fontRef>
+      </dsp:style>
+      <dsp:txBody>
+        <a:bodyPr wrap="square" lIns="41275" tIns="41275" rIns="41275" bIns="41275" anchor="ctr"/>
+        <a:lstStyle>
+          <a:lvl2pPr marL="285750" indent="-285750">
+            <a:defRPr sz="5000"/>
+          </a:lvl2pPr>
+          <a:lvl3pPr marL="571500" indent="-285750">
+            <a:defRPr sz="5000"/>
+          </a:lvl3pPr>
+          <a:lvl4pPr marL="857250" indent="-285750">
+            <a:defRPr sz="5000"/>
+          </a:lvl4pPr>
+          <a:lvl5pPr marL="1143000" indent="-285750">
+            <a:defRPr sz="5000"/>
+          </a:lvl5pPr>
+          <a:lvl6pPr marL="1428750" indent="-285750">
+            <a:defRPr sz="5000"/>
+          </a:lvl6pPr>
+          <a:lvl7pPr marL="1714500" indent="-285750">
+            <a:defRPr sz="5000"/>
+          </a:lvl7pPr>
+          <a:lvl8pPr marL="2000250" indent="-285750">
+            <a:defRPr sz="5000"/>
+          </a:lvl8pPr>
+          <a:lvl9pPr marL="2286000" indent="-285750">
+            <a:defRPr sz="5000"/>
+          </a:lvl9pPr>
+        </a:lstStyle>
+        <a:p>
+          <a:pPr lvl="0" indent="0" algn="ctr">
+            <a:lnSpc>
+              <a:spcPct val="100000"/>
+            </a:lnSpc>
+            <a:spcBef>
+              <a:spcPct val="0"/>
+            </a:spcBef>
+            <a:spcAft>
+              <a:spcPct val="35000"/>
+            </a:spcAft>
+            <a:buNone/>
+          </a:pPr>
+          <a:r>
+            <a:rPr lang="en-US"/>
+            <a:t>xml</a:t>
+          </a:r>
+          <a:endParaRPr lang="en-US"/>
+        </a:p>
+      </dsp:txBody>
+      <dsp:txXfrm>
+        <a:off x="4450172" y="3095399"/>
+        <a:ext cx="3677828" cy="1838914"/>
+      </dsp:txXfrm>
+    </dsp:sp>
+    <dsp:sp>
+      <dsp:nvSpPr>
+        <dsp:cNvPr id="49" name="矩形 48" hidden="1"/>
+        <dsp:cNvSpPr/>
+      </dsp:nvSpPr>
+      <dsp:spPr bwMode="white">
+        <a:xfrm>
+          <a:off x="2225086" y="484142"/>
+          <a:ext cx="735566" cy="1838914"/>
+        </a:xfrm>
+        <a:prstGeom prst="rect">
+          <a:avLst/>
+        </a:prstGeom>
+      </dsp:spPr>
+      <dsp:style>
+        <a:lnRef idx="2">
+          <a:schemeClr val="lt1"/>
+        </a:lnRef>
+        <a:fillRef idx="1">
+          <a:schemeClr val="accent1"/>
+        </a:fillRef>
+        <a:effectRef idx="0">
+          <a:scrgbClr r="0" g="0" b="0"/>
+        </a:effectRef>
+        <a:fontRef idx="minor">
+          <a:schemeClr val="lt1"/>
+        </a:fontRef>
+      </dsp:style>
+      <dsp:txXfrm>
+        <a:off x="2225086" y="484142"/>
+        <a:ext cx="735566" cy="1838914"/>
+      </dsp:txXfrm>
+    </dsp:sp>
+    <dsp:sp>
+      <dsp:nvSpPr>
+        <dsp:cNvPr id="51" name="矩形 50" hidden="1"/>
+        <dsp:cNvSpPr/>
+      </dsp:nvSpPr>
+      <dsp:spPr bwMode="white">
+        <a:xfrm>
+          <a:off x="0" y="3095399"/>
+          <a:ext cx="735566" cy="1838914"/>
+        </a:xfrm>
+        <a:prstGeom prst="rect">
+          <a:avLst/>
+        </a:prstGeom>
+      </dsp:spPr>
+      <dsp:style>
+        <a:lnRef idx="2">
+          <a:schemeClr val="lt1"/>
+        </a:lnRef>
+        <a:fillRef idx="1">
+          <a:schemeClr val="accent1"/>
+        </a:fillRef>
+        <a:effectRef idx="0">
+          <a:scrgbClr r="0" g="0" b="0"/>
+        </a:effectRef>
+        <a:fontRef idx="minor">
+          <a:schemeClr val="lt1"/>
+        </a:fontRef>
+      </dsp:style>
+      <dsp:txXfrm>
+        <a:off x="0" y="3095399"/>
+        <a:ext cx="735566" cy="1838914"/>
+      </dsp:txXfrm>
+    </dsp:sp>
+    <dsp:sp>
+      <dsp:nvSpPr>
+        <dsp:cNvPr id="53" name="矩形 52" hidden="1"/>
+        <dsp:cNvSpPr/>
+      </dsp:nvSpPr>
+      <dsp:spPr bwMode="white">
+        <a:xfrm>
+          <a:off x="4450172" y="3095399"/>
+          <a:ext cx="735566" cy="1838914"/>
+        </a:xfrm>
+        <a:prstGeom prst="rect">
+          <a:avLst/>
+        </a:prstGeom>
+      </dsp:spPr>
+      <dsp:style>
+        <a:lnRef idx="2">
+          <a:schemeClr val="lt1"/>
+        </a:lnRef>
+        <a:fillRef idx="1">
+          <a:schemeClr val="accent1"/>
+        </a:fillRef>
+        <a:effectRef idx="0">
+          <a:scrgbClr r="0" g="0" b="0"/>
+        </a:effectRef>
+        <a:fontRef idx="minor">
+          <a:schemeClr val="lt1"/>
+        </a:fontRef>
+      </dsp:style>
+      <dsp:txXfrm>
+        <a:off x="4450172" y="3095399"/>
+        <a:ext cx="735566" cy="1838914"/>
+      </dsp:txXfrm>
+    </dsp:sp>
+  </dsp:spTree>
+</dsp:drawing>
+</file>
+
+<file path=ppt/diagrams/layout1.xml><?xml version="1.0" encoding="utf-8"?>
+<dgm:layoutDef xmlns:dgm="http://schemas.openxmlformats.org/drawingml/2006/diagram" xmlns:a="http://schemas.openxmlformats.org/drawingml/2006/main" uniqueId="urn:microsoft.com/office/officeart/2005/8/layout/orgChart1">
+  <dgm:title val=""/>
+  <dgm:desc val=""/>
+  <dgm:catLst>
+    <dgm:cat type="hierarchy" pri="1000"/>
+    <dgm:cat type="convert" pri="6000"/>
+  </dgm:catLst>
+  <dgm:sampData>
+    <dgm:dataModel>
+      <dgm:ptLst>
+        <dgm:pt modelId="0" type="doc"/>
+        <dgm:pt modelId="1">
+          <dgm:prSet phldr="1"/>
+        </dgm:pt>
+        <dgm:pt modelId="2" type="asst">
+          <dgm:prSet phldr="1"/>
+        </dgm:pt>
+        <dgm:pt modelId="3">
+          <dgm:prSet phldr="1"/>
+        </dgm:pt>
+        <dgm:pt modelId="4">
+          <dgm:prSet phldr="1"/>
+        </dgm:pt>
+        <dgm:pt modelId="5">
+          <dgm:prSet phldr="1"/>
+        </dgm:pt>
+      </dgm:ptLst>
+      <dgm:cxnLst>
+        <dgm:cxn modelId="5" srcId="0" destId="1" srcOrd="0" destOrd="0"/>
+        <dgm:cxn modelId="6" srcId="1" destId="2" srcOrd="0" destOrd="0"/>
+        <dgm:cxn modelId="7" srcId="1" destId="3" srcOrd="1" destOrd="0"/>
+        <dgm:cxn modelId="8" srcId="1" destId="4" srcOrd="2" destOrd="0"/>
+        <dgm:cxn modelId="9" srcId="1" destId="5" srcOrd="3" destOrd="0"/>
+      </dgm:cxnLst>
+      <dgm:bg/>
+      <dgm:whole/>
+    </dgm:dataModel>
+  </dgm:sampData>
+  <dgm:styleData>
+    <dgm:dataModel>
+      <dgm:ptLst>
+        <dgm:pt modelId="0" type="doc"/>
+        <dgm:pt modelId="1"/>
+        <dgm:pt modelId="12"/>
+        <dgm:pt modelId="13"/>
+      </dgm:ptLst>
+      <dgm:cxnLst>
+        <dgm:cxn modelId="2" srcId="0" destId="1" srcOrd="0" destOrd="0"/>
+        <dgm:cxn modelId="16" srcId="1" destId="12" srcOrd="1" destOrd="0"/>
+        <dgm:cxn modelId="17" srcId="1" destId="13" srcOrd="2" destOrd="0"/>
+      </dgm:cxnLst>
+      <dgm:bg/>
+      <dgm:whole/>
+    </dgm:dataModel>
+  </dgm:styleData>
+  <dgm:clrData>
+    <dgm:dataModel>
+      <dgm:ptLst>
+        <dgm:pt modelId="0" type="doc"/>
+        <dgm:pt modelId="1"/>
+        <dgm:pt modelId="11" type="asst"/>
+        <dgm:pt modelId="12"/>
+        <dgm:pt modelId="13"/>
+        <dgm:pt modelId="14"/>
+      </dgm:ptLst>
+      <dgm:cxnLst>
+        <dgm:cxn modelId="2" srcId="0" destId="1" srcOrd="0" destOrd="0"/>
+        <dgm:cxn modelId="15" srcId="1" destId="11" srcOrd="0" destOrd="0"/>
+        <dgm:cxn modelId="16" srcId="1" destId="12" srcOrd="1" destOrd="0"/>
+        <dgm:cxn modelId="17" srcId="1" destId="13" srcOrd="2" destOrd="0"/>
+        <dgm:cxn modelId="18" srcId="1" destId="14" srcOrd="2" destOrd="0"/>
+      </dgm:cxnLst>
+      <dgm:bg/>
+      <dgm:whole/>
+    </dgm:dataModel>
+  </dgm:clrData>
+  <dgm:layoutNode name="hierChild1">
+    <dgm:varLst>
+      <dgm:orgChart val="1"/>
+      <dgm:chPref val="1"/>
+      <dgm:dir/>
+      <dgm:animOne val="branch"/>
+      <dgm:animLvl val="lvl"/>
+      <dgm:resizeHandles/>
+    </dgm:varLst>
+    <dgm:choose name="Name0">
+      <dgm:if name="Name1" func="var" arg="dir" op="equ" val="norm">
+        <dgm:alg type="hierChild">
+          <dgm:param type="linDir" val="fromL"/>
+        </dgm:alg>
+      </dgm:if>
+      <dgm:else name="Name2">
+        <dgm:alg type="hierChild">
+          <dgm:param type="linDir" val="fromR"/>
+        </dgm:alg>
+      </dgm:else>
+    </dgm:choose>
+    <dgm:shape xmlns:r="http://schemas.openxmlformats.org/officeDocument/2006/relationships" r:blip="">
+      <dgm:adjLst/>
+    </dgm:shape>
+    <dgm:presOf/>
+    <dgm:constrLst>
+      <dgm:constr type="w" for="des" forName="rootComposite1" refType="w" fact="10"/>
+      <dgm:constr type="h" for="des" forName="rootComposite1" refType="w" refFor="des" refForName="rootComposite1" fact="0.5"/>
+      <dgm:constr type="w" for="des" forName="rootComposite" refType="w" fact="10"/>
+      <dgm:constr type="h" for="des" forName="rootComposite" refType="w" refFor="des" refForName="rootComposite1" fact="0.5"/>
+      <dgm:constr type="w" for="des" forName="rootComposite3" refType="w" fact="10"/>
+      <dgm:constr type="h" for="des" forName="rootComposite3" refType="w" refFor="des" refForName="rootComposite1" fact="0.5"/>
+      <dgm:constr type="primFontSz" for="des" ptType="node" op="equ"/>
+      <dgm:constr type="sp" for="des" op="equ"/>
+      <dgm:constr type="sp" for="des" forName="hierRoot1" refType="w" refFor="des" refForName="rootComposite1" fact="0.21"/>
+      <dgm:constr type="sp" for="des" forName="hierRoot2" refType="sp" refFor="des" refForName="hierRoot1"/>
+      <dgm:constr type="sp" for="des" forName="hierRoot3" refType="sp" refFor="des" refForName="hierRoot1"/>
+      <dgm:constr type="sibSp" refType="w" refFor="des" refForName="rootComposite1" fact="0.21"/>
+      <dgm:constr type="sibSp" for="des" forName="hierChild2" refType="sibSp"/>
+      <dgm:constr type="sibSp" for="des" forName="hierChild3" refType="sibSp"/>
+      <dgm:constr type="sibSp" for="des" forName="hierChild4" refType="sibSp"/>
+      <dgm:constr type="sibSp" for="des" forName="hierChild5" refType="sibSp"/>
+      <dgm:constr type="sibSp" for="des" forName="hierChild6" refType="sibSp"/>
+      <dgm:constr type="sibSp" for="des" forName="hierChild7" refType="sibSp"/>
+      <dgm:constr type="secSibSp" refType="w" refFor="des" refForName="rootComposite1" fact="0.21"/>
+      <dgm:constr type="secSibSp" for="des" forName="hierChild2" refType="secSibSp"/>
+      <dgm:constr type="secSibSp" for="des" forName="hierChild3" refType="secSibSp"/>
+      <dgm:constr type="secSibSp" for="des" forName="hierChild4" refType="secSibSp"/>
+      <dgm:constr type="secSibSp" for="des" forName="hierChild5" refType="secSibSp"/>
+      <dgm:constr type="secSibSp" for="des" forName="hierChild6" refType="secSibSp"/>
+      <dgm:constr type="secSibSp" for="des" forName="hierChild7" refType="secSibSp"/>
+    </dgm:constrLst>
+    <dgm:ruleLst/>
+    <dgm:forEach name="Name3" axis="ch">
+      <dgm:forEach name="Name4" axis="self" ptType="node">
+        <dgm:layoutNode name="hierRoot1">
+          <dgm:varLst>
+            <dgm:hierBranch val="init"/>
+          </dgm:varLst>
+          <dgm:choose name="Name5">
+            <dgm:if name="Name6" func="var" arg="hierBranch" op="equ" val="l">
+              <dgm:choose name="Name7">
+                <dgm:if name="Name8" axis="ch" ptType="asst" func="cnt" op="gte" val="1">
+                  <dgm:alg type="hierRoot">
+                    <dgm:param type="hierAlign" val="tR"/>
+                  </dgm:alg>
+                  <dgm:constrLst>
+                    <dgm:constr type="alignOff" val="0.65"/>
+                  </dgm:constrLst>
+                </dgm:if>
+                <dgm:else name="Name9">
+                  <dgm:alg type="hierRoot">
+                    <dgm:param type="hierAlign" val="tR"/>
+                  </dgm:alg>
+                  <dgm:constrLst>
+                    <dgm:constr type="alignOff" val="0.25"/>
+                  </dgm:constrLst>
+                </dgm:else>
+              </dgm:choose>
+            </dgm:if>
+            <dgm:if name="Name10" func="var" arg="hierBranch" op="equ" val="r">
+              <dgm:choose name="Name11">
+                <dgm:if name="Name12" axis="ch" ptType="asst" func="cnt" op="gte" val="1">
+                  <dgm:alg type="hierRoot">
+                    <dgm:param type="hierAlign" val="tL"/>
+                  </dgm:alg>
+                  <dgm:constrLst>
+                    <dgm:constr type="alignOff" val="0.65"/>
+                  </dgm:constrLst>
+                </dgm:if>
+                <dgm:else name="Name13">
+                  <dgm:alg type="hierRoot">
+                    <dgm:param type="hierAlign" val="tL"/>
+                  </dgm:alg>
+                  <dgm:constrLst>
+                    <dgm:constr type="alignOff" val="0.25"/>
+                  </dgm:constrLst>
+                </dgm:else>
+              </dgm:choose>
+            </dgm:if>
+            <dgm:if name="Name14" func="var" arg="hierBranch" op="equ" val="hang">
+              <dgm:alg type="hierRoot"/>
+              <dgm:constrLst>
+                <dgm:constr type="alignOff" val="0.65"/>
+              </dgm:constrLst>
+            </dgm:if>
+            <dgm:else name="Name15">
+              <dgm:alg type="hierRoot"/>
+              <dgm:constrLst>
+                <dgm:constr type="alignOff"/>
+                <dgm:constr type="bendDist" for="des" ptType="parTrans" refType="sp" fact="0.5"/>
+              </dgm:constrLst>
+            </dgm:else>
+          </dgm:choose>
+          <dgm:shape xmlns:r="http://schemas.openxmlformats.org/officeDocument/2006/relationships" r:blip="">
+            <dgm:adjLst/>
+          </dgm:shape>
+          <dgm:presOf/>
+          <dgm:ruleLst/>
+          <dgm:layoutNode name="rootComposite1">
+            <dgm:alg type="composite"/>
+            <dgm:shape xmlns:r="http://schemas.openxmlformats.org/officeDocument/2006/relationships" r:blip="">
+              <dgm:adjLst/>
+            </dgm:shape>
+            <dgm:presOf axis="self" ptType="node" cnt="1"/>
+            <dgm:choose name="Name16">
+              <dgm:if name="Name17" func="var" arg="hierBranch" op="equ" val="init">
+                <dgm:constrLst>
+                  <dgm:constr type="l" for="ch" forName="rootText1"/>
+                  <dgm:constr type="t" for="ch" forName="rootText1"/>
+                  <dgm:constr type="w" for="ch" forName="rootText1" refType="w"/>
+                  <dgm:constr type="h" for="ch" forName="rootText1" refType="h"/>
+                  <dgm:constr type="l" for="ch" forName="rootConnector1"/>
+                  <dgm:constr type="t" for="ch" forName="rootConnector1"/>
+                  <dgm:constr type="w" for="ch" forName="rootConnector1" refType="w" refFor="ch" refForName="rootText1" fact="0.2"/>
+                  <dgm:constr type="h" for="ch" forName="rootConnector1" refType="h" refFor="ch" refForName="rootText1"/>
+                </dgm:constrLst>
+              </dgm:if>
+              <dgm:if name="Name18" func="var" arg="hierBranch" op="equ" val="l">
+                <dgm:constrLst>
+                  <dgm:constr type="l" for="ch" forName="rootText1"/>
+                  <dgm:constr type="t" for="ch" forName="rootText1"/>
+                  <dgm:constr type="w" for="ch" forName="rootText1" refType="w"/>
+                  <dgm:constr type="h" for="ch" forName="rootText1" refType="h"/>
+                  <dgm:constr type="r" for="ch" forName="rootConnector1" refType="w"/>
+                  <dgm:constr type="t" for="ch" forName="rootConnector1"/>
+                  <dgm:constr type="w" for="ch" forName="rootConnector1" refType="w" refFor="ch" refForName="rootText1" fact="0.2"/>
+                  <dgm:constr type="h" for="ch" forName="rootConnector1" refType="h" refFor="ch" refForName="rootText1"/>
+                </dgm:constrLst>
+              </dgm:if>
+              <dgm:if name="Name19" func="var" arg="hierBranch" op="equ" val="r">
+                <dgm:constrLst>
+                  <dgm:constr type="l" for="ch" forName="rootText1"/>
+                  <dgm:constr type="t" for="ch" forName="rootText1"/>
+                  <dgm:constr type="w" for="ch" forName="rootText1" refType="w"/>
+                  <dgm:constr type="h" for="ch" forName="rootText1" refType="h"/>
+                  <dgm:constr type="l" for="ch" forName="rootConnector1"/>
+                  <dgm:constr type="t" for="ch" forName="rootConnector1"/>
+                  <dgm:constr type="w" for="ch" forName="rootConnector1" refType="w" refFor="ch" refForName="rootText1" fact="0.2"/>
+                  <dgm:constr type="h" for="ch" forName="rootConnector1" refType="h" refFor="ch" refForName="rootText1"/>
+                </dgm:constrLst>
+              </dgm:if>
+              <dgm:else name="Name20">
+                <dgm:constrLst>
+                  <dgm:constr type="l" for="ch" forName="rootText1"/>
+                  <dgm:constr type="t" for="ch" forName="rootText1"/>
+                  <dgm:constr type="w" for="ch" forName="rootText1" refType="w"/>
+                  <dgm:constr type="h" for="ch" forName="rootText1" refType="h"/>
+                  <dgm:constr type="r" for="ch" forName="rootConnector1" refType="w"/>
+                  <dgm:constr type="t" for="ch" forName="rootConnector1"/>
+                  <dgm:constr type="w" for="ch" forName="rootConnector1" refType="w" refFor="ch" refForName="rootText1" fact="0.2"/>
+                  <dgm:constr type="h" for="ch" forName="rootConnector1" refType="h" refFor="ch" refForName="rootText1"/>
+                </dgm:constrLst>
+              </dgm:else>
+            </dgm:choose>
+            <dgm:ruleLst/>
+            <dgm:layoutNode name="rootText1" styleLbl="node0">
+              <dgm:varLst>
+                <dgm:chPref val="3"/>
+              </dgm:varLst>
+              <dgm:alg type="tx"/>
+              <dgm:shape xmlns:r="http://schemas.openxmlformats.org/officeDocument/2006/relationships" type="rect" r:blip="">
+                <dgm:adjLst/>
+              </dgm:shape>
+              <dgm:presOf axis="self" ptType="node" cnt="1"/>
+              <dgm:constrLst>
+                <dgm:constr type="primFontSz" val="65"/>
+                <dgm:constr type="lMarg" refType="primFontSz" fact="0.05"/>
+                <dgm:constr type="rMarg" refType="primFontSz" fact="0.05"/>
+                <dgm:constr type="tMarg" refType="primFontSz" fact="0.05"/>
+                <dgm:constr type="bMarg" refType="primFontSz" fact="0.05"/>
+              </dgm:constrLst>
+              <dgm:ruleLst>
+                <dgm:rule type="primFontSz" val="5" fact="NaN" max="NaN"/>
+              </dgm:ruleLst>
+            </dgm:layoutNode>
+            <dgm:layoutNode name="rootConnector1" moveWith="rootText1">
+              <dgm:alg type="sp"/>
+              <dgm:shape xmlns:r="http://schemas.openxmlformats.org/officeDocument/2006/relationships" type="rect" r:blip="" hideGeom="1">
+                <dgm:adjLst/>
+              </dgm:shape>
+              <dgm:presOf axis="self" ptType="node" cnt="1"/>
+              <dgm:constrLst/>
+              <dgm:ruleLst/>
+            </dgm:layoutNode>
+          </dgm:layoutNode>
+          <dgm:layoutNode name="hierChild2">
+            <dgm:choose name="Name21">
+              <dgm:if name="Name22" func="var" arg="hierBranch" op="equ" val="l">
+                <dgm:alg type="hierChild">
+                  <dgm:param type="linDir" val="fromT"/>
+                  <dgm:param type="chAlign" val="r"/>
+                </dgm:alg>
+              </dgm:if>
+              <dgm:if name="Name23" func="var" arg="hierBranch" op="equ" val="r">
+                <dgm:alg type="hierChild">
+                  <dgm:param type="linDir" val="fromT"/>
+                  <dgm:param type="chAlign" val="l"/>
+                </dgm:alg>
+              </dgm:if>
+              <dgm:if name="Name24" func="var" arg="hierBranch" op="equ" val="hang">
+                <dgm:choose name="Name25">
+                  <dgm:if name="Name26" func="var" arg="dir" op="equ" val="norm">
+                    <dgm:alg type="hierChild">
+                      <dgm:param type="linDir" val="fromL"/>
+                      <dgm:param type="chAlign" val="l"/>
+                      <dgm:param type="secLinDir" val="fromT"/>
+                      <dgm:param type="secChAlign" val="t"/>
+                    </dgm:alg>
+                  </dgm:if>
+                  <dgm:else name="Name27">
+                    <dgm:alg type="hierChild">
+                      <dgm:param type="linDir" val="fromR"/>
+                      <dgm:param type="chAlign" val="l"/>
+                      <dgm:param type="secLinDir" val="fromT"/>
+                      <dgm:param type="secChAlign" val="t"/>
+                    </dgm:alg>
+                  </dgm:else>
+                </dgm:choose>
+              </dgm:if>
+              <dgm:else name="Name28">
+                <dgm:choose name="Name29">
+                  <dgm:if name="Name30" func="var" arg="dir" op="equ" val="norm">
+                    <dgm:alg type="hierChild"/>
+                  </dgm:if>
+                  <dgm:else name="Name31">
+                    <dgm:alg type="hierChild">
+                      <dgm:param type="linDir" val="fromR"/>
+                    </dgm:alg>
+                  </dgm:else>
+                </dgm:choose>
+              </dgm:else>
+            </dgm:choose>
+            <dgm:shape xmlns:r="http://schemas.openxmlformats.org/officeDocument/2006/relationships" r:blip="">
+              <dgm:adjLst/>
+            </dgm:shape>
+            <dgm:presOf/>
+            <dgm:constrLst/>
+            <dgm:ruleLst/>
+            <dgm:forEach name="rep2a" axis="ch" ptType="nonAsst">
+              <dgm:forEach name="Name32" axis="precedSib" ptType="parTrans" st="-1" cnt="1">
+                <dgm:choose name="Name33">
+                  <dgm:if name="Name34" func="var" arg="hierBranch" op="equ" val="std">
+                    <dgm:layoutNode name="Name35">
+                      <dgm:alg type="conn">
+                        <dgm:param type="dim" val="1D"/>
+                        <dgm:param type="endSty" val="noArr"/>
+                        <dgm:param type="connRout" val="bend"/>
+                        <dgm:param type="begPts" val="bCtr"/>
+                        <dgm:param type="endPts" val="tCtr"/>
+                        <dgm:param type="bendPt" val="end"/>
+                      </dgm:alg>
+                      <dgm:shape xmlns:r="http://schemas.openxmlformats.org/officeDocument/2006/relationships" type="conn" r:blip="" zOrderOff="-99999">
+                        <dgm:adjLst/>
+                      </dgm:shape>
+                      <dgm:presOf axis="self"/>
+                      <dgm:constrLst>
+                        <dgm:constr type="begPad"/>
+                        <dgm:constr type="endPad"/>
+                      </dgm:constrLst>
+                      <dgm:ruleLst/>
+                    </dgm:layoutNode>
+                  </dgm:if>
+                  <dgm:if name="Name36" func="var" arg="hierBranch" op="equ" val="init">
+                    <dgm:layoutNode name="Name37">
+                      <dgm:choose name="Name38">
+                        <dgm:if name="Name39" axis="self" func="depth" op="lte" val="2">
+                          <dgm:alg type="conn">
+                            <dgm:param type="dim" val="1D"/>
+                            <dgm:param type="endSty" val="noArr"/>
+                            <dgm:param type="connRout" val="bend"/>
+                            <dgm:param type="begPts" val="bCtr"/>
+                            <dgm:param type="endPts" val="tCtr"/>
+                            <dgm:param type="bendPt" val="end"/>
+                          </dgm:alg>
+                        </dgm:if>
+                        <dgm:else name="Name40">
+                          <dgm:choose name="Name41">
+                            <dgm:if name="Name42" axis="par des" func="maxDepth" op="lte" val="1">
+                              <dgm:choose name="Name43">
+                                <dgm:if name="Name44" axis="par ch" ptType="node asst" func="cnt" op="gte" val="1">
+                                  <dgm:alg type="conn">
+                                    <dgm:param type="dim" val="1D"/>
+                                    <dgm:param type="endSty" val="noArr"/>
+                                    <dgm:param type="connRout" val="bend"/>
+                                    <dgm:param type="begPts" val="bCtr"/>
+                                    <dgm:param type="endPts" val="midL midR"/>
+                                  </dgm:alg>
+                                </dgm:if>
+                                <dgm:else name="Name45">
+                                  <dgm:alg type="conn">
+                                    <dgm:param type="srcNode" val="rootConnector"/>
+                                    <dgm:param type="dim" val="1D"/>
+                                    <dgm:param type="endSty" val="noArr"/>
+                                    <dgm:param type="connRout" val="bend"/>
+                                    <dgm:param type="begPts" val="bCtr"/>
+                                    <dgm:param type="endPts" val="midL midR"/>
+                                  </dgm:alg>
+                                </dgm:else>
+                              </dgm:choose>
+                            </dgm:if>
+                            <dgm:else name="Name46">
+                              <dgm:alg type="conn">
+                                <dgm:param type="dim" val="1D"/>
+                                <dgm:param type="endSty" val="noArr"/>
+                                <dgm:param type="connRout" val="bend"/>
+                                <dgm:param type="begPts" val="bCtr"/>
+                                <dgm:param type="endPts" val="tCtr"/>
+                                <dgm:param type="bendPt" val="end"/>
+                              </dgm:alg>
+                            </dgm:else>
+                          </dgm:choose>
+                        </dgm:else>
+                      </dgm:choose>
+                      <dgm:shape xmlns:r="http://schemas.openxmlformats.org/officeDocument/2006/relationships" type="conn" r:blip="" zOrderOff="-99999">
+                        <dgm:adjLst/>
+                      </dgm:shape>
+                      <dgm:presOf axis="self"/>
+                      <dgm:constrLst>
+                        <dgm:constr type="begPad"/>
+                        <dgm:constr type="endPad"/>
+                      </dgm:constrLst>
+                      <dgm:ruleLst/>
+                    </dgm:layoutNode>
+                  </dgm:if>
+                  <dgm:if name="Name47" func="var" arg="hierBranch" op="equ" val="hang">
+                    <dgm:layoutNode name="Name48">
+                      <dgm:alg type="conn">
+                        <dgm:param type="dim" val="1D"/>
+                        <dgm:param type="endSty" val="noArr"/>
+                        <dgm:param type="connRout" val="bend"/>
+                        <dgm:param type="begPts" val="bCtr"/>
+                        <dgm:param type="endPts" val="midL midR"/>
+                      </dgm:alg>
+                      <dgm:shape xmlns:r="http://schemas.openxmlformats.org/officeDocument/2006/relationships" type="conn" r:blip="" zOrderOff="-99999">
+                        <dgm:adjLst/>
+                      </dgm:shape>
+                      <dgm:presOf axis="self"/>
+                      <dgm:constrLst>
+                        <dgm:constr type="begPad"/>
+                        <dgm:constr type="endPad"/>
+                      </dgm:constrLst>
+                      <dgm:ruleLst/>
+                    </dgm:layoutNode>
+                  </dgm:if>
+                  <dgm:else name="Name49">
+                    <dgm:layoutNode name="Name50">
+                      <dgm:choose name="Name51">
+                        <dgm:if name="Name52" axis="self" func="depth" op="lte" val="2">
+                          <dgm:choose name="Name53">
+                            <dgm:if name="Name54" axis="par ch" ptType="node asst" func="cnt" op="gte" val="1">
+                              <dgm:alg type="conn">
+                                <dgm:param type="dim" val="1D"/>
+                                <dgm:param type="endSty" val="noArr"/>
+                                <dgm:param type="connRout" val="bend"/>
+                                <dgm:param type="begPts" val="bCtr"/>
+                                <dgm:param type="endPts" val="midL midR"/>
+                              </dgm:alg>
+                            </dgm:if>
+                            <dgm:else name="Name55">
+                              <dgm:alg type="conn">
+                                <dgm:param type="srcNode" val="rootConnector1"/>
+                                <dgm:param type="dim" val="1D"/>
+                                <dgm:param type="endSty" val="noArr"/>
+                                <dgm:param type="connRout" val="bend"/>
+                                <dgm:param type="begPts" val="bCtr"/>
+                                <dgm:param type="endPts" val="midL midR"/>
+                              </dgm:alg>
+                            </dgm:else>
+                          </dgm:choose>
+                        </dgm:if>
+                        <dgm:else name="Name56">
+                          <dgm:choose name="Name57">
+                            <dgm:if name="Name58" axis="par ch" ptType="node asst" func="cnt" op="gte" val="1">
+                              <dgm:alg type="conn">
+                                <dgm:param type="dim" val="1D"/>
+                                <dgm:param type="endSty" val="noArr"/>
+                                <dgm:param type="connRout" val="bend"/>
+                                <dgm:param type="begPts" val="bCtr"/>
+                                <dgm:param type="endPts" val="midL midR"/>
+                              </dgm:alg>
+                            </dgm:if>
+                            <dgm:else name="Name59">
+                              <dgm:alg type="conn">
+                                <dgm:param type="srcNode" val="rootConnector"/>
+                                <dgm:param type="dim" val="1D"/>
+                                <dgm:param type="endSty" val="noArr"/>
+                                <dgm:param type="connRout" val="bend"/>
+                                <dgm:param type="begPts" val="bCtr"/>
+                                <dgm:param type="endPts" val="midL midR"/>
+                              </dgm:alg>
+                            </dgm:else>
+                          </dgm:choose>
+                        </dgm:else>
+                      </dgm:choose>
+                      <dgm:shape xmlns:r="http://schemas.openxmlformats.org/officeDocument/2006/relationships" type="conn" r:blip="" zOrderOff="-99999">
+                        <dgm:adjLst/>
+                      </dgm:shape>
+                      <dgm:presOf axis="self"/>
+                      <dgm:constrLst>
+                        <dgm:constr type="begPad"/>
+                        <dgm:constr type="endPad"/>
+                      </dgm:constrLst>
+                      <dgm:ruleLst/>
+                    </dgm:layoutNode>
+                  </dgm:else>
+                </dgm:choose>
+              </dgm:forEach>
+              <dgm:layoutNode name="hierRoot2">
+                <dgm:varLst>
+                  <dgm:hierBranch val="init"/>
+                </dgm:varLst>
+                <dgm:choose name="Name60">
+                  <dgm:if name="Name61" func="var" arg="hierBranch" op="equ" val="l">
+                    <dgm:choose name="Name62">
+                      <dgm:if name="Name63" axis="ch" ptType="asst" func="cnt" op="gte" val="1">
+                        <dgm:alg type="hierRoot">
+                          <dgm:param type="hierAlign" val="tR"/>
+                        </dgm:alg>
+                        <dgm:shape xmlns:r="http://schemas.openxmlformats.org/officeDocument/2006/relationships" r:blip="">
+                          <dgm:adjLst/>
+                        </dgm:shape>
+                        <dgm:presOf/>
+                        <dgm:constrLst>
+                          <dgm:constr type="alignOff" val="0.65"/>
+                        </dgm:constrLst>
+                      </dgm:if>
+                      <dgm:else name="Name64">
+                        <dgm:alg type="hierRoot">
+                          <dgm:param type="hierAlign" val="tR"/>
+                        </dgm:alg>
+                        <dgm:shape xmlns:r="http://schemas.openxmlformats.org/officeDocument/2006/relationships" r:blip="">
+                          <dgm:adjLst/>
+                        </dgm:shape>
+                        <dgm:presOf/>
+                        <dgm:constrLst>
+                          <dgm:constr type="alignOff" val="0.25"/>
+                        </dgm:constrLst>
+                      </dgm:else>
+                    </dgm:choose>
+                  </dgm:if>
+                  <dgm:if name="Name65" func="var" arg="hierBranch" op="equ" val="r">
+                    <dgm:choose name="Name66">
+                      <dgm:if name="Name67" axis="ch" ptType="asst" func="cnt" op="gte" val="1">
+                        <dgm:alg type="hierRoot">
+                          <dgm:param type="hierAlign" val="tL"/>
+                        </dgm:alg>
+                        <dgm:shape xmlns:r="http://schemas.openxmlformats.org/officeDocument/2006/relationships" r:blip="">
+                          <dgm:adjLst/>
+                        </dgm:shape>
+                        <dgm:presOf/>
+                        <dgm:constrLst>
+                          <dgm:constr type="alignOff" val="0.65"/>
+                        </dgm:constrLst>
+                      </dgm:if>
+                      <dgm:else name="Name68">
+                        <dgm:alg type="hierRoot">
+                          <dgm:param type="hierAlign" val="tL"/>
+                        </dgm:alg>
+                        <dgm:shape xmlns:r="http://schemas.openxmlformats.org/officeDocument/2006/relationships" r:blip="">
+                          <dgm:adjLst/>
+                        </dgm:shape>
+                        <dgm:presOf/>
+                        <dgm:constrLst>
+                          <dgm:constr type="alignOff" val="0.25"/>
+                        </dgm:constrLst>
+                      </dgm:else>
+                    </dgm:choose>
+                  </dgm:if>
+                  <dgm:if name="Name69" func="var" arg="hierBranch" op="equ" val="std">
+                    <dgm:alg type="hierRoot"/>
+                    <dgm:shape xmlns:r="http://schemas.openxmlformats.org/officeDocument/2006/relationships" r:blip="">
+                      <dgm:adjLst/>
+                    </dgm:shape>
+                    <dgm:presOf/>
+                    <dgm:constrLst>
+                      <dgm:constr type="alignOff"/>
+                      <dgm:constr type="bendDist" for="des" ptType="parTrans" refType="sp" fact="0.5"/>
+                    </dgm:constrLst>
+                  </dgm:if>
+                  <dgm:if name="Name70" func="var" arg="hierBranch" op="equ" val="init">
+                    <dgm:choose name="Name71">
+                      <dgm:if name="Name72" axis="des" func="maxDepth" op="lte" val="1">
+                        <dgm:choose name="Name73">
+                          <dgm:if name="Name74" axis="ch" ptType="asst" func="cnt" op="gte" val="1">
+                            <dgm:alg type="hierRoot">
+                              <dgm:param type="hierAlign" val="tL"/>
+                            </dgm:alg>
+                            <dgm:shape xmlns:r="http://schemas.openxmlformats.org/officeDocument/2006/relationships" r:blip="">
+                              <dgm:adjLst/>
+                            </dgm:shape>
+                            <dgm:presOf/>
+                            <dgm:constrLst>
+                              <dgm:constr type="alignOff" val="0.65"/>
+                            </dgm:constrLst>
+                          </dgm:if>
+                          <dgm:else name="Name75">
+                            <dgm:alg type="hierRoot">
+                              <dgm:param type="hierAlign" val="tL"/>
+                            </dgm:alg>
+                            <dgm:shape xmlns:r="http://schemas.openxmlformats.org/officeDocument/2006/relationships" r:blip="">
+                              <dgm:adjLst/>
+                            </dgm:shape>
+                            <dgm:presOf/>
+                            <dgm:constrLst>
+                              <dgm:constr type="alignOff" val="0.25"/>
+                            </dgm:constrLst>
+                          </dgm:else>
+                        </dgm:choose>
+                      </dgm:if>
+                      <dgm:else name="Name76">
+                        <dgm:alg type="hierRoot"/>
+                        <dgm:shape xmlns:r="http://schemas.openxmlformats.org/officeDocument/2006/relationships" r:blip="">
+                          <dgm:adjLst/>
+                        </dgm:shape>
+                        <dgm:presOf/>
+                        <dgm:constrLst>
+                          <dgm:constr type="alignOff"/>
+                          <dgm:constr type="bendDist" for="des" ptType="parTrans" refType="sp" fact="0.5"/>
+                        </dgm:constrLst>
+                      </dgm:else>
+                    </dgm:choose>
+                  </dgm:if>
+                  <dgm:else name="Name77">
+                    <dgm:alg type="hierRoot"/>
+                    <dgm:shape xmlns:r="http://schemas.openxmlformats.org/officeDocument/2006/relationships" r:blip="">
+                      <dgm:adjLst/>
+                    </dgm:shape>
+                    <dgm:presOf/>
+                    <dgm:constrLst>
+                      <dgm:constr type="alignOff" val="0.65"/>
+                    </dgm:constrLst>
+                  </dgm:else>
+                </dgm:choose>
+                <dgm:ruleLst/>
+                <dgm:layoutNode name="rootComposite">
+                  <dgm:alg type="composite"/>
+                  <dgm:shape xmlns:r="http://schemas.openxmlformats.org/officeDocument/2006/relationships" r:blip="">
+                    <dgm:adjLst/>
+                  </dgm:shape>
+                  <dgm:presOf axis="self" ptType="node" cnt="1"/>
+                  <dgm:choose name="Name78">
+                    <dgm:if name="Name79" func="var" arg="hierBranch" op="equ" val="init">
+                      <dgm:constrLst>
+                        <dgm:constr type="l" for="ch" forName="rootText"/>
+                        <dgm:constr type="t" for="ch" forName="rootText"/>
+                        <dgm:constr type="w" for="ch" forName="rootText" refType="w"/>
+                        <dgm:constr type="h" for="ch" forName="rootText" refType="h"/>
+                        <dgm:constr type="l" for="ch" forName="rootConnector"/>
+                        <dgm:constr type="t" for="ch" forName="rootConnector"/>
+                        <dgm:constr type="w" for="ch" forName="rootConnector" refType="w" refFor="ch" refForName="rootText" fact="0.2"/>
+                        <dgm:constr type="h" for="ch" forName="rootConnector" refType="h" refFor="ch" refForName="rootText"/>
+                      </dgm:constrLst>
+                    </dgm:if>
+                    <dgm:if name="Name80" func="var" arg="hierBranch" op="equ" val="l">
+                      <dgm:constrLst>
+                        <dgm:constr type="l" for="ch" forName="rootText"/>
+                        <dgm:constr type="t" for="ch" forName="rootText"/>
+                        <dgm:constr type="w" for="ch" forName="rootText" refType="w"/>
+                        <dgm:constr type="h" for="ch" forName="rootText" refType="h"/>
+                        <dgm:constr type="r" for="ch" forName="rootConnector" refType="w"/>
+                        <dgm:constr type="t" for="ch" forName="rootConnector"/>
+                        <dgm:constr type="w" for="ch" forName="rootConnector" refType="w" refFor="ch" refForName="rootText" fact="0.2"/>
+                        <dgm:constr type="h" for="ch" forName="rootConnector" refType="h" refFor="ch" refForName="rootText"/>
+                      </dgm:constrLst>
+                    </dgm:if>
+                    <dgm:if name="Name81" func="var" arg="hierBranch" op="equ" val="r">
+                      <dgm:constrLst>
+                        <dgm:constr type="l" for="ch" forName="rootText"/>
+                        <dgm:constr type="t" for="ch" forName="rootText"/>
+                        <dgm:constr type="w" for="ch" forName="rootText" refType="w"/>
+                        <dgm:constr type="h" for="ch" forName="rootText" refType="h"/>
+                        <dgm:constr type="l" for="ch" forName="rootConnector"/>
+                        <dgm:constr type="t" for="ch" forName="rootConnector"/>
+                        <dgm:constr type="w" for="ch" forName="rootConnector" refType="w" refFor="ch" refForName="rootText" fact="0.2"/>
+                        <dgm:constr type="h" for="ch" forName="rootConnector" refType="h" refFor="ch" refForName="rootText"/>
+                      </dgm:constrLst>
+                    </dgm:if>
+                    <dgm:else name="Name82">
+                      <dgm:constrLst>
+                        <dgm:constr type="l" for="ch" forName="rootText"/>
+                        <dgm:constr type="t" for="ch" forName="rootText"/>
+                        <dgm:constr type="w" for="ch" forName="rootText" refType="w"/>
+                        <dgm:constr type="h" for="ch" forName="rootText" refType="h"/>
+                        <dgm:constr type="r" for="ch" forName="rootConnector" refType="w"/>
+                        <dgm:constr type="t" for="ch" forName="rootConnector"/>
+                        <dgm:constr type="w" for="ch" forName="rootConnector" refType="w" refFor="ch" refForName="rootText" fact="0.2"/>
+                        <dgm:constr type="h" for="ch" forName="rootConnector" refType="h" refFor="ch" refForName="rootText"/>
+                      </dgm:constrLst>
+                    </dgm:else>
+                  </dgm:choose>
+                  <dgm:ruleLst/>
+                  <dgm:layoutNode name="rootText">
+                    <dgm:varLst>
+                      <dgm:chPref val="3"/>
+                    </dgm:varLst>
+                    <dgm:alg type="tx"/>
+                    <dgm:shape xmlns:r="http://schemas.openxmlformats.org/officeDocument/2006/relationships" type="rect" r:blip="">
+                      <dgm:adjLst/>
+                    </dgm:shape>
+                    <dgm:presOf axis="self" ptType="node" cnt="1"/>
+                    <dgm:constrLst>
+                      <dgm:constr type="primFontSz" val="65"/>
+                      <dgm:constr type="lMarg" refType="primFontSz" fact="0.05"/>
+                      <dgm:constr type="rMarg" refType="primFontSz" fact="0.05"/>
+                      <dgm:constr type="tMarg" refType="primFontSz" fact="0.05"/>
+                      <dgm:constr type="bMarg" refType="primFontSz" fact="0.05"/>
+                    </dgm:constrLst>
+                    <dgm:ruleLst>
+                      <dgm:rule type="primFontSz" val="5" fact="NaN" max="NaN"/>
+                    </dgm:ruleLst>
+                  </dgm:layoutNode>
+                  <dgm:layoutNode name="rootConnector" moveWith="rootText">
+                    <dgm:alg type="sp"/>
+                    <dgm:shape xmlns:r="http://schemas.openxmlformats.org/officeDocument/2006/relationships" type="rect" r:blip="" hideGeom="1">
+                      <dgm:adjLst/>
+                    </dgm:shape>
+                    <dgm:presOf axis="self" ptType="node" cnt="1"/>
+                    <dgm:constrLst/>
+                    <dgm:ruleLst/>
+                  </dgm:layoutNode>
+                </dgm:layoutNode>
+                <dgm:layoutNode name="hierChild4">
+                  <dgm:choose name="Name83">
+                    <dgm:if name="Name84" func="var" arg="hierBranch" op="equ" val="l">
+                      <dgm:alg type="hierChild">
+                        <dgm:param type="linDir" val="fromT"/>
+                        <dgm:param type="chAlign" val="r"/>
+                      </dgm:alg>
+                    </dgm:if>
+                    <dgm:if name="Name85" func="var" arg="hierBranch" op="equ" val="r">
+                      <dgm:alg type="hierChild">
+                        <dgm:param type="linDir" val="fromT"/>
+                        <dgm:param type="chAlign" val="l"/>
+                      </dgm:alg>
+                    </dgm:if>
+                    <dgm:if name="Name86" func="var" arg="hierBranch" op="equ" val="hang">
+                      <dgm:choose name="Name87">
+                        <dgm:if name="Name88" func="var" arg="dir" op="equ" val="norm">
+                          <dgm:alg type="hierChild">
+                            <dgm:param type="linDir" val="fromL"/>
+                            <dgm:param type="chAlign" val="l"/>
+                            <dgm:param type="secLinDir" val="fromT"/>
+                            <dgm:param type="secChAlign" val="t"/>
+                          </dgm:alg>
+                        </dgm:if>
+                        <dgm:else name="Name89">
+                          <dgm:alg type="hierChild">
+                            <dgm:param type="linDir" val="fromR"/>
+                            <dgm:param type="chAlign" val="l"/>
+                            <dgm:param type="secLinDir" val="fromT"/>
+                            <dgm:param type="secChAlign" val="t"/>
+                          </dgm:alg>
+                        </dgm:else>
+                      </dgm:choose>
+                    </dgm:if>
+                    <dgm:if name="Name90" func="var" arg="hierBranch" op="equ" val="std">
+                      <dgm:choose name="Name91">
+                        <dgm:if name="Name92" func="var" arg="dir" op="equ" val="norm">
+                          <dgm:alg type="hierChild"/>
+                        </dgm:if>
+                        <dgm:else name="Name93">
+                          <dgm:alg type="hierChild">
+                            <dgm:param type="linDir" val="fromR"/>
+                          </dgm:alg>
+                        </dgm:else>
+                      </dgm:choose>
+                    </dgm:if>
+                    <dgm:if name="Name94" func="var" arg="hierBranch" op="equ" val="init">
+                      <dgm:choose name="Name95">
+                        <dgm:if name="Name96" axis="des" func="maxDepth" op="lte" val="1">
+                          <dgm:alg type="hierChild">
+                            <dgm:param type="linDir" val="fromT"/>
+                            <dgm:param type="chAlign" val="l"/>
+                          </dgm:alg>
+                        </dgm:if>
+                        <dgm:else name="Name97">
+                          <dgm:choose name="Name98">
+                            <dgm:if name="Name99" func="var" arg="dir" op="equ" val="norm">
+                              <dgm:alg type="hierChild"/>
+                            </dgm:if>
+                            <dgm:else name="Name100">
+                              <dgm:alg type="hierChild">
+                                <dgm:param type="linDir" val="fromR"/>
+                              </dgm:alg>
+                            </dgm:else>
+                          </dgm:choose>
+                        </dgm:else>
+                      </dgm:choose>
+                    </dgm:if>
+                    <dgm:else name="Name101"/>
+                  </dgm:choose>
+                  <dgm:shape xmlns:r="http://schemas.openxmlformats.org/officeDocument/2006/relationships" r:blip="">
+                    <dgm:adjLst/>
+                  </dgm:shape>
+                  <dgm:presOf/>
+                  <dgm:constrLst/>
+                  <dgm:ruleLst/>
+                  <dgm:forEach name="Name102" ref="rep2a"/>
+                </dgm:layoutNode>
+                <dgm:layoutNode name="hierChild5">
+                  <dgm:choose name="Name103">
+                    <dgm:if name="Name104" func="var" arg="dir" op="equ" val="norm">
+                      <dgm:alg type="hierChild">
+                        <dgm:param type="linDir" val="fromL"/>
+                        <dgm:param type="chAlign" val="l"/>
+                        <dgm:param type="secLinDir" val="fromT"/>
+                        <dgm:param type="secChAlign" val="t"/>
+                      </dgm:alg>
+                    </dgm:if>
+                    <dgm:else name="Name105">
+                      <dgm:alg type="hierChild">
+                        <dgm:param type="linDir" val="fromR"/>
+                        <dgm:param type="chAlign" val="l"/>
+                        <dgm:param type="secLinDir" val="fromT"/>
+                        <dgm:param type="secChAlign" val="t"/>
+                      </dgm:alg>
+                    </dgm:else>
+                  </dgm:choose>
+                  <dgm:shape xmlns:r="http://schemas.openxmlformats.org/officeDocument/2006/relationships" r:blip="">
+                    <dgm:adjLst/>
+                  </dgm:shape>
+                  <dgm:presOf/>
+                  <dgm:constrLst/>
+                  <dgm:ruleLst/>
+                  <dgm:forEach name="Name106" ref="rep2b"/>
+                </dgm:layoutNode>
+              </dgm:layoutNode>
+            </dgm:forEach>
+          </dgm:layoutNode>
+          <dgm:layoutNode name="hierChild3">
+            <dgm:choose name="Name107">
+              <dgm:if name="Name108" func="var" arg="dir" op="equ" val="norm">
+                <dgm:alg type="hierChild">
+                  <dgm:param type="linDir" val="fromL"/>
+                  <dgm:param type="chAlign" val="l"/>
+                  <dgm:param type="secLinDir" val="fromT"/>
+                  <dgm:param type="secChAlign" val="t"/>
+                </dgm:alg>
+              </dgm:if>
+              <dgm:else name="Name109">
+                <dgm:alg type="hierChild">
+                  <dgm:param type="linDir" val="fromR"/>
+                  <dgm:param type="chAlign" val="l"/>
+                  <dgm:param type="secLinDir" val="fromT"/>
+                  <dgm:param type="secChAlign" val="t"/>
+                </dgm:alg>
+              </dgm:else>
+            </dgm:choose>
+            <dgm:shape xmlns:r="http://schemas.openxmlformats.org/officeDocument/2006/relationships" r:blip="">
+              <dgm:adjLst/>
+            </dgm:shape>
+            <dgm:presOf/>
+            <dgm:constrLst/>
+            <dgm:ruleLst/>
+            <dgm:forEach name="rep2b" axis="ch" ptType="asst">
+              <dgm:forEach name="Name110" axis="precedSib" ptType="parTrans" st="-1" cnt="1">
+                <dgm:layoutNode name="Name111">
+                  <dgm:alg type="conn">
+                    <dgm:param type="dim" val="1D"/>
+                    <dgm:param type="endSty" val="noArr"/>
+                    <dgm:param type="connRout" val="bend"/>
+                    <dgm:param type="begPts" val="bCtr"/>
+                    <dgm:param type="endPts" val="midL midR"/>
+                  </dgm:alg>
+                  <dgm:shape xmlns:r="http://schemas.openxmlformats.org/officeDocument/2006/relationships" type="conn" r:blip="" zOrderOff="-99999">
+                    <dgm:adjLst/>
+                  </dgm:shape>
+                  <dgm:presOf axis="self"/>
+                  <dgm:constrLst>
+                    <dgm:constr type="begPad"/>
+                    <dgm:constr type="endPad"/>
+                  </dgm:constrLst>
+                  <dgm:ruleLst/>
+                </dgm:layoutNode>
+              </dgm:forEach>
+              <dgm:layoutNode name="hierRoot3">
+                <dgm:varLst>
+                  <dgm:hierBranch val="init"/>
+                </dgm:varLst>
+                <dgm:choose name="Name112">
+                  <dgm:if name="Name113" func="var" arg="hierBranch" op="equ" val="l">
+                    <dgm:alg type="hierRoot">
+                      <dgm:param type="hierAlign" val="tR"/>
+                    </dgm:alg>
+                    <dgm:shape xmlns:r="http://schemas.openxmlformats.org/officeDocument/2006/relationships" r:blip="">
+                      <dgm:adjLst/>
+                    </dgm:shape>
+                    <dgm:presOf/>
+                    <dgm:constrLst>
+                      <dgm:constr type="alignOff" val="0.65"/>
+                    </dgm:constrLst>
+                  </dgm:if>
+                  <dgm:if name="Name114" func="var" arg="hierBranch" op="equ" val="r">
+                    <dgm:alg type="hierRoot">
+                      <dgm:param type="hierAlign" val="tL"/>
+                    </dgm:alg>
+                    <dgm:shape xmlns:r="http://schemas.openxmlformats.org/officeDocument/2006/relationships" r:blip="">
+                      <dgm:adjLst/>
+                    </dgm:shape>
+                    <dgm:presOf/>
+                    <dgm:constrLst>
+                      <dgm:constr type="alignOff" val="0.65"/>
+                    </dgm:constrLst>
+                  </dgm:if>
+                  <dgm:if name="Name115" func="var" arg="hierBranch" op="equ" val="hang">
+                    <dgm:alg type="hierRoot"/>
+                    <dgm:shape xmlns:r="http://schemas.openxmlformats.org/officeDocument/2006/relationships" r:blip="">
+                      <dgm:adjLst/>
+                    </dgm:shape>
+                    <dgm:presOf/>
+                    <dgm:constrLst>
+                      <dgm:constr type="alignOff" val="0.65"/>
+                    </dgm:constrLst>
+                  </dgm:if>
+                  <dgm:if name="Name116" func="var" arg="hierBranch" op="equ" val="std">
+                    <dgm:alg type="hierRoot"/>
+                    <dgm:shape xmlns:r="http://schemas.openxmlformats.org/officeDocument/2006/relationships" r:blip="">
+                      <dgm:adjLst/>
+                    </dgm:shape>
+                    <dgm:presOf/>
+                    <dgm:constrLst>
+                      <dgm:constr type="alignOff"/>
+                      <dgm:constr type="bendDist" for="des" ptType="parTrans" refType="sp" fact="0.5"/>
+                    </dgm:constrLst>
+                  </dgm:if>
+                  <dgm:if name="Name117" func="var" arg="hierBranch" op="equ" val="init">
+                    <dgm:choose name="Name118">
+                      <dgm:if name="Name119" axis="des" func="maxDepth" op="lte" val="1">
+                        <dgm:alg type="hierRoot">
+                          <dgm:param type="hierAlign" val="tL"/>
+                        </dgm:alg>
+                        <dgm:shape xmlns:r="http://schemas.openxmlformats.org/officeDocument/2006/relationships" r:blip="">
+                          <dgm:adjLst/>
+                        </dgm:shape>
+                        <dgm:presOf/>
+                        <dgm:constrLst>
+                          <dgm:constr type="alignOff" val="0.65"/>
+                        </dgm:constrLst>
+                      </dgm:if>
+                      <dgm:else name="Name120">
+                        <dgm:alg type="hierRoot"/>
+                        <dgm:shape xmlns:r="http://schemas.openxmlformats.org/officeDocument/2006/relationships" r:blip="">
+                          <dgm:adjLst/>
+                        </dgm:shape>
+                        <dgm:presOf/>
+                        <dgm:constrLst>
+                          <dgm:constr type="alignOff"/>
+                          <dgm:constr type="bendDist" for="des" ptType="parTrans" refType="sp" fact="0.5"/>
+                        </dgm:constrLst>
+                      </dgm:else>
+                    </dgm:choose>
+                  </dgm:if>
+                  <dgm:else name="Name121"/>
+                </dgm:choose>
+                <dgm:ruleLst/>
+                <dgm:layoutNode name="rootComposite3">
+                  <dgm:alg type="composite"/>
+                  <dgm:shape xmlns:r="http://schemas.openxmlformats.org/officeDocument/2006/relationships" r:blip="">
+                    <dgm:adjLst/>
+                  </dgm:shape>
+                  <dgm:presOf axis="self" ptType="node" cnt="1"/>
+                  <dgm:choose name="Name122">
+                    <dgm:if name="Name123" func="var" arg="hierBranch" op="equ" val="init">
+                      <dgm:constrLst>
+                        <dgm:constr type="l" for="ch" forName="rootText3"/>
+                        <dgm:constr type="t" for="ch" forName="rootText3"/>
+                        <dgm:constr type="w" for="ch" forName="rootText3" refType="w"/>
+                        <dgm:constr type="h" for="ch" forName="rootText3" refType="h"/>
+                        <dgm:constr type="l" for="ch" forName="rootConnector3"/>
+                        <dgm:constr type="t" for="ch" forName="rootConnector3"/>
+                        <dgm:constr type="w" for="ch" forName="rootConnector3" refType="w" refFor="ch" refForName="rootText3" fact="0.2"/>
+                        <dgm:constr type="h" for="ch" forName="rootConnector3" refType="h" refFor="ch" refForName="rootText3"/>
+                      </dgm:constrLst>
+                    </dgm:if>
+                    <dgm:if name="Name124" func="var" arg="hierBranch" op="equ" val="l">
+                      <dgm:constrLst>
+                        <dgm:constr type="l" for="ch" forName="rootText3"/>
+                        <dgm:constr type="t" for="ch" forName="rootText3"/>
+                        <dgm:constr type="w" for="ch" forName="rootText3" refType="w"/>
+                        <dgm:constr type="h" for="ch" forName="rootText3" refType="h"/>
+                        <dgm:constr type="r" for="ch" forName="rootConnector3" refType="w"/>
+                        <dgm:constr type="t" for="ch" forName="rootConnector3"/>
+                        <dgm:constr type="w" for="ch" forName="rootConnector3" refType="w" refFor="ch" refForName="rootText3" fact="0.2"/>
+                        <dgm:constr type="h" for="ch" forName="rootConnector3" refType="h" refFor="ch" refForName="rootText3"/>
+                      </dgm:constrLst>
+                    </dgm:if>
+                    <dgm:if name="Name125" func="var" arg="hierBranch" op="equ" val="r">
+                      <dgm:constrLst>
+                        <dgm:constr type="l" for="ch" forName="rootText3"/>
+                        <dgm:constr type="t" for="ch" forName="rootText3"/>
+                        <dgm:constr type="w" for="ch" forName="rootText3" refType="w"/>
+                        <dgm:constr type="h" for="ch" forName="rootText3" refType="h"/>
+                        <dgm:constr type="l" for="ch" forName="rootConnector3"/>
+                        <dgm:constr type="t" for="ch" forName="rootConnector3"/>
+                        <dgm:constr type="w" for="ch" forName="rootConnector3" refType="w" refFor="ch" refForName="rootText3" fact="0.2"/>
+                        <dgm:constr type="h" for="ch" forName="rootConnector3" refType="h" refFor="ch" refForName="rootText3"/>
+                      </dgm:constrLst>
+                    </dgm:if>
+                    <dgm:else name="Name126">
+                      <dgm:constrLst>
+                        <dgm:constr type="l" for="ch" forName="rootText3"/>
+                        <dgm:constr type="t" for="ch" forName="rootText3"/>
+                        <dgm:constr type="w" for="ch" forName="rootText3" refType="w"/>
+                        <dgm:constr type="h" for="ch" forName="rootText3" refType="h"/>
+                        <dgm:constr type="r" for="ch" forName="rootConnector3" refType="w"/>
+                        <dgm:constr type="t" for="ch" forName="rootConnector3"/>
+                        <dgm:constr type="w" for="ch" forName="rootConnector3" refType="w" refFor="ch" refForName="rootText3" fact="0.2"/>
+                        <dgm:constr type="h" for="ch" forName="rootConnector3" refType="h" refFor="ch" refForName="rootText3"/>
+                      </dgm:constrLst>
+                    </dgm:else>
+                  </dgm:choose>
+                  <dgm:ruleLst/>
+                  <dgm:layoutNode name="rootText3">
+                    <dgm:varLst>
+                      <dgm:chPref val="3"/>
+                    </dgm:varLst>
+                    <dgm:alg type="tx"/>
+                    <dgm:shape xmlns:r="http://schemas.openxmlformats.org/officeDocument/2006/relationships" type="rect" r:blip="">
+                      <dgm:adjLst/>
+                    </dgm:shape>
+                    <dgm:presOf axis="self" ptType="node" cnt="1"/>
+                    <dgm:constrLst>
+                      <dgm:constr type="primFontSz" val="65"/>
+                      <dgm:constr type="lMarg" refType="primFontSz" fact="0.05"/>
+                      <dgm:constr type="rMarg" refType="primFontSz" fact="0.05"/>
+                      <dgm:constr type="tMarg" refType="primFontSz" fact="0.05"/>
+                      <dgm:constr type="bMarg" refType="primFontSz" fact="0.05"/>
+                    </dgm:constrLst>
+                    <dgm:ruleLst>
+                      <dgm:rule type="primFontSz" val="5" fact="NaN" max="NaN"/>
+                    </dgm:ruleLst>
+                  </dgm:layoutNode>
+                  <dgm:layoutNode name="rootConnector3" moveWith="rootText1">
+                    <dgm:alg type="sp"/>
+                    <dgm:shape xmlns:r="http://schemas.openxmlformats.org/officeDocument/2006/relationships" type="rect" r:blip="" hideGeom="1">
+                      <dgm:adjLst/>
+                    </dgm:shape>
+                    <dgm:presOf axis="self" ptType="node" cnt="1"/>
+                    <dgm:constrLst/>
+                    <dgm:ruleLst/>
+                  </dgm:layoutNode>
+                </dgm:layoutNode>
+                <dgm:layoutNode name="hierChild6">
+                  <dgm:choose name="Name127">
+                    <dgm:if name="Name128" func="var" arg="hierBranch" op="equ" val="l">
+                      <dgm:alg type="hierChild">
+                        <dgm:param type="linDir" val="fromT"/>
+                        <dgm:param type="chAlign" val="r"/>
+                      </dgm:alg>
+                    </dgm:if>
+                    <dgm:if name="Name129" func="var" arg="hierBranch" op="equ" val="r">
+                      <dgm:alg type="hierChild">
+                        <dgm:param type="linDir" val="fromT"/>
+                        <dgm:param type="chAlign" val="l"/>
+                      </dgm:alg>
+                    </dgm:if>
+                    <dgm:if name="Name130" func="var" arg="hierBranch" op="equ" val="hang">
+                      <dgm:choose name="Name131">
+                        <dgm:if name="Name132" func="var" arg="dir" op="equ" val="norm">
+                          <dgm:alg type="hierChild">
+                            <dgm:param type="linDir" val="fromL"/>
+                            <dgm:param type="chAlign" val="l"/>
+                            <dgm:param type="secLinDir" val="fromT"/>
+                            <dgm:param type="secChAlign" val="t"/>
+                          </dgm:alg>
+                        </dgm:if>
+                        <dgm:else name="Name133">
+                          <dgm:alg type="hierChild">
+                            <dgm:param type="linDir" val="fromR"/>
+                            <dgm:param type="chAlign" val="l"/>
+                            <dgm:param type="secLinDir" val="fromT"/>
+                            <dgm:param type="secChAlign" val="t"/>
+                          </dgm:alg>
+                        </dgm:else>
+                      </dgm:choose>
+                    </dgm:if>
+                    <dgm:if name="Name134" func="var" arg="hierBranch" op="equ" val="std">
+                      <dgm:choose name="Name135">
+                        <dgm:if name="Name136" func="var" arg="dir" op="equ" val="norm">
+                          <dgm:alg type="hierChild"/>
+                        </dgm:if>
+                        <dgm:else name="Name137">
+                          <dgm:alg type="hierChild">
+                            <dgm:param type="linDir" val="fromR"/>
+                          </dgm:alg>
+                        </dgm:else>
+                      </dgm:choose>
+                    </dgm:if>
+                    <dgm:if name="Name138" func="var" arg="hierBranch" op="equ" val="init">
+                      <dgm:choose name="Name139">
+                        <dgm:if name="Name140" axis="des" func="maxDepth" op="lte" val="1">
+                          <dgm:alg type="hierChild">
+                            <dgm:param type="linDir" val="fromT"/>
+                            <dgm:param type="chAlign" val="l"/>
+                          </dgm:alg>
+                        </dgm:if>
+                        <dgm:else name="Name141">
+                          <dgm:alg type="hierChild"/>
+                        </dgm:else>
+                      </dgm:choose>
+                    </dgm:if>
+                    <dgm:else name="Name142"/>
+                  </dgm:choose>
+                  <dgm:shape xmlns:r="http://schemas.openxmlformats.org/officeDocument/2006/relationships" r:blip="">
+                    <dgm:adjLst/>
+                  </dgm:shape>
+                  <dgm:presOf/>
+                  <dgm:constrLst/>
+                  <dgm:ruleLst/>
+                  <dgm:forEach name="Name143" ref="rep2a"/>
+                </dgm:layoutNode>
+                <dgm:layoutNode name="hierChild7">
+                  <dgm:choose name="Name144">
+                    <dgm:if name="Name145" func="var" arg="dir" op="equ" val="norm">
+                      <dgm:alg type="hierChild">
+                        <dgm:param type="linDir" val="fromL"/>
+                        <dgm:param type="chAlign" val="l"/>
+                        <dgm:param type="secLinDir" val="fromT"/>
+                        <dgm:param type="secChAlign" val="t"/>
+                      </dgm:alg>
+                    </dgm:if>
+                    <dgm:else name="Name146">
+                      <dgm:alg type="hierChild">
+                        <dgm:param type="linDir" val="fromR"/>
+                        <dgm:param type="chAlign" val="l"/>
+                        <dgm:param type="secLinDir" val="fromT"/>
+                        <dgm:param type="secChAlign" val="t"/>
+                      </dgm:alg>
+                    </dgm:else>
+                  </dgm:choose>
+                  <dgm:shape xmlns:r="http://schemas.openxmlformats.org/officeDocument/2006/relationships" r:blip="">
+                    <dgm:adjLst/>
+                  </dgm:shape>
+                  <dgm:presOf/>
+                  <dgm:constrLst/>
+                  <dgm:ruleLst/>
+                  <dgm:forEach name="Name147" ref="rep2b"/>
+                </dgm:layoutNode>
+              </dgm:layoutNode>
+            </dgm:forEach>
+          </dgm:layoutNode>
+        </dgm:layoutNode>
+      </dgm:forEach>
+    </dgm:forEach>
+  </dgm:layoutNode>
+</dgm:layoutDef>
+</file>
+
+<file path=ppt/diagrams/quickStyle1.xml><?xml version="1.0" encoding="utf-8"?>
+<dgm:styleDef xmlns:dgm="http://schemas.openxmlformats.org/drawingml/2006/diagram" xmlns:a="http://schemas.openxmlformats.org/drawingml/2006/main" uniqueId="urn:microsoft.com/office/officeart/2005/8/quickstyle/simple1">
+  <dgm:title val=""/>
+  <dgm:desc val=""/>
+  <dgm:catLst>
+    <dgm:cat type="simple" pri="10100"/>
+  </dgm:catLst>
+  <dgm:scene3d>
+    <a:camera prst="orthographicFront"/>
+    <a:lightRig rig="threePt" dir="t"/>
+  </dgm:scene3d>
+  <dgm:styleLbl name="alignAcc1">
+    <dgm:scene3d>
+      <a:camera prst="orthographicFront"/>
+      <a:lightRig rig="threePt" dir="t"/>
+    </dgm:scene3d>
+    <dgm:txPr/>
+    <dgm:style>
+      <a:lnRef idx="2">
+        <a:scrgbClr r="0" g="0" b="0"/>
+      </a:lnRef>
+      <a:fillRef idx="1">
+        <a:scrgbClr r="0" g="0" b="0"/>
+      </a:fillRef>
+      <a:effectRef idx="0">
+        <a:scrgbClr r="0" g="0" b="0"/>
+      </a:effectRef>
+      <a:fontRef idx="minor"/>
+    </dgm:style>
+  </dgm:styleLbl>
+  <dgm:styleLbl name="alignAccFollowNode1">
+    <dgm:scene3d>
+      <a:camera prst="orthographicFront"/>
+      <a:lightRig rig="threePt" dir="t"/>
+    </dgm:scene3d>
+    <dgm:txPr/>
+    <dgm:style>
+      <a:lnRef idx="2">
+        <a:scrgbClr r="0" g="0" b="0"/>
+      </a:lnRef>
+      <a:fillRef idx="1">
+        <a:scrgbClr r="0" g="0" b="0"/>
+      </a:fillRef>
+      <a:effectRef idx="0">
+        <a:scrgbClr r="0" g="0" b="0"/>
+      </a:effectRef>
+      <a:fontRef idx="minor"/>
+    </dgm:style>
+  </dgm:styleLbl>
+  <dgm:styleLbl name="alignImgPlace1">
+    <dgm:scene3d>
+      <a:camera prst="orthographicFront"/>
+      <a:lightRig rig="threePt" dir="t"/>
+    </dgm:scene3d>
+    <dgm:txPr/>
+    <dgm:style>
+      <a:lnRef idx="2">
+        <a:scrgbClr r="0" g="0" b="0"/>
+      </a:lnRef>
+      <a:fillRef idx="1">
+        <a:scrgbClr r="0" g="0" b="0"/>
+      </a:fillRef>
+      <a:effectRef idx="0">
+        <a:scrgbClr r="0" g="0" b="0"/>
+      </a:effectRef>
+      <a:fontRef idx="minor"/>
+    </dgm:style>
+  </dgm:styleLbl>
+  <dgm:styleLbl name="alignNode1">
+    <dgm:scene3d>
+      <a:camera prst="orthographicFront"/>
+      <a:lightRig rig="threePt" dir="t"/>
+    </dgm:scene3d>
+    <dgm:txPr/>
+    <dgm:style>
+      <a:lnRef idx="2">
+        <a:scrgbClr r="0" g="0" b="0"/>
+      </a:lnRef>
+      <a:fillRef idx="1">
+        <a:scrgbClr r="0" g="0" b="0"/>
+      </a:fillRef>
+      <a:effectRef idx="0">
+        <a:scrgbClr r="0" g="0" b="0"/>
+      </a:effectRef>
+      <a:fontRef idx="minor">
+        <a:schemeClr val="lt1"/>
+      </a:fontRef>
+    </dgm:style>
+  </dgm:styleLbl>
+  <dgm:styleLbl name="asst0">
+    <dgm:scene3d>
+      <a:camera prst="orthographicFront"/>
+      <a:lightRig rig="threePt" dir="t"/>
+    </dgm:scene3d>
+    <dgm:txPr/>
+    <dgm:style>
+      <a:lnRef idx="2">
+        <a:scrgbClr r="0" g="0" b="0"/>
+      </a:lnRef>
+      <a:fillRef idx="1">
+        <a:scrgbClr r="0" g="0" b="0"/>
+      </a:fillRef>
+      <a:effectRef idx="0">
+        <a:scrgbClr r="0" g="0" b="0"/>
+      </a:effectRef>
+      <a:fontRef idx="minor">
+        <a:schemeClr val="lt1"/>
+      </a:fontRef>
+    </dgm:style>
+  </dgm:styleLbl>
+  <dgm:styleLbl name="asst1">
+    <dgm:scene3d>
+      <a:camera prst="orthographicFront"/>
+      <a:lightRig rig="threePt" dir="t"/>
+    </dgm:scene3d>
+    <dgm:txPr/>
+    <dgm:style>
+      <a:lnRef idx="2">
+        <a:scrgbClr r="0" g="0" b="0"/>
+      </a:lnRef>
+      <a:fillRef idx="1">
+        <a:scrgbClr r="0" g="0" b="0"/>
+      </a:fillRef>
+      <a:effectRef idx="0">
+        <a:scrgbClr r="0" g="0" b="0"/>
+      </a:effectRef>
+      <a:fontRef idx="minor">
+        <a:schemeClr val="lt1"/>
+      </a:fontRef>
+    </dgm:style>
+  </dgm:styleLbl>
+  <dgm:styleLbl name="asst2">
+    <dgm:scene3d>
+      <a:camera prst="orthographicFront"/>
+      <a:lightRig rig="threePt" dir="t"/>
+    </dgm:scene3d>
+    <dgm:txPr/>
+    <dgm:style>
+      <a:lnRef idx="2">
+        <a:scrgbClr r="0" g="0" b="0"/>
+      </a:lnRef>
+      <a:fillRef idx="1">
+        <a:scrgbClr r="0" g="0" b="0"/>
+      </a:fillRef>
+      <a:effectRef idx="0">
+        <a:scrgbClr r="0" g="0" b="0"/>
+      </a:effectRef>
+      <a:fontRef idx="minor">
+        <a:schemeClr val="lt1"/>
+      </a:fontRef>
+    </dgm:style>
+  </dgm:styleLbl>
+  <dgm:styleLbl name="asst3">
+    <dgm:scene3d>
+      <a:camera prst="orthographicFront"/>
+      <a:lightRig rig="threePt" dir="t"/>
+    </dgm:scene3d>
+    <dgm:txPr/>
+    <dgm:style>
+      <a:lnRef idx="2">
+        <a:scrgbClr r="0" g="0" b="0"/>
+      </a:lnRef>
+      <a:fillRef idx="1">
+        <a:scrgbClr r="0" g="0" b="0"/>
+      </a:fillRef>
+      <a:effectRef idx="0">
+        <a:scrgbClr r="0" g="0" b="0"/>
+      </a:effectRef>
+      <a:fontRef idx="minor">
+        <a:schemeClr val="lt1"/>
+      </a:fontRef>
+    </dgm:style>
+  </dgm:styleLbl>
+  <dgm:styleLbl name="asst4">
+    <dgm:scene3d>
+      <a:camera prst="orthographicFront"/>
+      <a:lightRig rig="threePt" dir="t"/>
+    </dgm:scene3d>
+    <dgm:txPr/>
+    <dgm:style>
+      <a:lnRef idx="2">
+        <a:scrgbClr r="0" g="0" b="0"/>
+      </a:lnRef>
+      <a:fillRef idx="1">
+        <a:scrgbClr r="0" g="0" b="0"/>
+      </a:fillRef>
+      <a:effectRef idx="0">
+        <a:scrgbClr r="0" g="0" b="0"/>
+      </a:effectRef>
+      <a:fontRef idx="minor">
+        <a:schemeClr val="lt1"/>
+      </a:fontRef>
+    </dgm:style>
+  </dgm:styleLbl>
+  <dgm:styleLbl name="bgAcc1">
+    <dgm:scene3d>
+      <a:camera prst="orthographicFront"/>
+      <a:lightRig rig="threePt" dir="t"/>
+    </dgm:scene3d>
+    <dgm:txPr/>
+    <dgm:style>
+      <a:lnRef idx="2">
+        <a:scrgbClr r="0" g="0" b="0"/>
+      </a:lnRef>
+      <a:fillRef idx="1">
+        <a:scrgbClr r="0" g="0" b="0"/>
+      </a:fillRef>
+      <a:effectRef idx="0">
+        <a:scrgbClr r="0" g="0" b="0"/>
+      </a:effectRef>
+      <a:fontRef idx="minor"/>
+    </dgm:style>
+  </dgm:styleLbl>
+  <dgm:styleLbl name="bgAccFollowNode1">
+    <dgm:scene3d>
+      <a:camera prst="orthographicFront"/>
+      <a:lightRig rig="threePt" dir="t"/>
+    </dgm:scene3d>
+    <dgm:txPr/>
+    <dgm:style>
+      <a:lnRef idx="2">
+        <a:scrgbClr r="0" g="0" b="0"/>
+      </a:lnRef>
+      <a:fillRef idx="1">
+        <a:scrgbClr r="0" g="0" b="0"/>
+      </a:fillRef>
+      <a:effectRef idx="0">
+        <a:scrgbClr r="0" g="0" b="0"/>
+      </a:effectRef>
+      <a:fontRef idx="minor"/>
+    </dgm:style>
+  </dgm:styleLbl>
+  <dgm:styleLbl name="bgImgPlace1">
+    <dgm:scene3d>
+      <a:camera prst="orthographicFront"/>
+      <a:lightRig rig="threePt" dir="t"/>
+    </dgm:scene3d>
+    <dgm:txPr/>
+    <dgm:style>
+      <a:lnRef idx="2">
+        <a:scrgbClr r="0" g="0" b="0"/>
+      </a:lnRef>
+      <a:fillRef idx="1">
+        <a:scrgbClr r="0" g="0" b="0"/>
+      </a:fillRef>
+      <a:effectRef idx="0">
+        <a:scrgbClr r="0" g="0" b="0"/>
+      </a:effectRef>
+      <a:fontRef idx="minor"/>
+    </dgm:style>
+  </dgm:styleLbl>
+  <dgm:styleLbl name="bgShp">
+    <dgm:scene3d>
+      <a:camera prst="orthographicFront"/>
+      <a:lightRig rig="threePt" dir="t"/>
+    </dgm:scene3d>
+    <dgm:txPr/>
+    <dgm:style>
+      <a:lnRef idx="0">
+        <a:scrgbClr r="0" g="0" b="0"/>
+      </a:lnRef>
+      <a:fillRef idx="1">
+        <a:scrgbClr r="0" g="0" b="0"/>
+      </a:fillRef>
+      <a:effectRef idx="0">
+        <a:scrgbClr r="0" g="0" b="0"/>
+      </a:effectRef>
+      <a:fontRef idx="minor"/>
+    </dgm:style>
+  </dgm:styleLbl>
+  <dgm:styleLbl name="bgSibTrans2D1">
+    <dgm:scene3d>
+      <a:camera prst="orthographicFront"/>
+      <a:lightRig rig="threePt" dir="t"/>
+    </dgm:scene3d>
+    <dgm:txPr/>
+    <dgm:style>
+      <a:lnRef idx="0">
+        <a:scrgbClr r="0" g="0" b="0"/>
+      </a:lnRef>
+      <a:fillRef idx="1">
+        <a:scrgbClr r="0" g="0" b="0"/>
+      </a:fillRef>
+      <a:effectRef idx="0">
+        <a:scrgbClr r="0" g="0" b="0"/>
+      </a:effectRef>
+      <a:fontRef idx="minor">
+        <a:schemeClr val="lt1"/>
+      </a:fontRef>
+    </dgm:style>
+  </dgm:styleLbl>
+  <dgm:styleLbl name="callout">
+    <dgm:scene3d>
+      <a:camera prst="orthographicFront"/>
+      <a:lightRig rig="threePt" dir="t"/>
+    </dgm:scene3d>
+    <dgm:txPr/>
+    <dgm:style>
+      <a:lnRef idx="2">
+        <a:scrgbClr r="0" g="0" b="0"/>
+      </a:lnRef>
+      <a:fillRef idx="1">
+        <a:scrgbClr r="0" g="0" b="0"/>
+      </a:fillRef>
+      <a:effectRef idx="0">
+        <a:scrgbClr r="0" g="0" b="0"/>
+      </a:effectRef>
+      <a:fontRef idx="minor"/>
+    </dgm:style>
+  </dgm:styleLbl>
+  <dgm:styleLbl name="conFgAcc1">
+    <dgm:scene3d>
+      <a:camera prst="orthographicFront"/>
+      <a:lightRig rig="threePt" dir="t"/>
+    </dgm:scene3d>
+    <dgm:txPr/>
+    <dgm:style>
+      <a:lnRef idx="2">
+        <a:scrgbClr r="0" g="0" b="0"/>
+      </a:lnRef>
+      <a:fillRef idx="1">
+        <a:scrgbClr r="0" g="0" b="0"/>
+      </a:fillRef>
+      <a:effectRef idx="0">
+        <a:scrgbClr r="0" g="0" b="0"/>
+      </a:effectRef>
+      <a:fontRef idx="minor"/>
+    </dgm:style>
+  </dgm:styleLbl>
+  <dgm:styleLbl name="dkBgShp">
+    <dgm:scene3d>
+      <a:camera prst="orthographicFront"/>
+      <a:lightRig rig="threePt" dir="t"/>
+    </dgm:scene3d>
+    <dgm:txPr/>
+    <dgm:style>
+      <a:lnRef idx="0">
+        <a:scrgbClr r="0" g="0" b="0"/>
+      </a:lnRef>
+      <a:fillRef idx="1">
+        <a:scrgbClr r="0" g="0" b="0"/>
+      </a:fillRef>
+      <a:effectRef idx="0">
+        <a:scrgbClr r="0" g="0" b="0"/>
+      </a:effectRef>
+      <a:fontRef idx="minor"/>
+    </dgm:style>
+  </dgm:styleLbl>
+  <dgm:styleLbl name="fgAcc0">
+    <dgm:scene3d>
+      <a:camera prst="orthographicFront"/>
+      <a:lightRig rig="threePt" dir="t"/>
+    </dgm:scene3d>
+    <dgm:txPr/>
+    <dgm:style>
+      <a:lnRef idx="2">
+        <a:scrgbClr r="0" g="0" b="0"/>
+      </a:lnRef>
+      <a:fillRef idx="1">
+        <a:scrgbClr r="0" g="0" b="0"/>
+      </a:fillRef>
+      <a:effectRef idx="0">
+        <a:scrgbClr r="0" g="0" b="0"/>
+      </a:effectRef>
+      <a:fontRef idx="minor"/>
+    </dgm:style>
+  </dgm:styleLbl>
+  <dgm:styleLbl name="fgAcc1">
+    <dgm:scene3d>
+      <a:camera prst="orthographicFront"/>
+      <a:lightRig rig="threePt" dir="t"/>
+    </dgm:scene3d>
+    <dgm:txPr/>
+    <dgm:style>
+      <a:lnRef idx="2">
+        <a:scrgbClr r="0" g="0" b="0"/>
+      </a:lnRef>
+      <a:fillRef idx="1">
+        <a:scrgbClr r="0" g="0" b="0"/>
+      </a:fillRef>
+      <a:effectRef idx="0">
+        <a:scrgbClr r="0" g="0" b="0"/>
+      </a:effectRef>
+      <a:fontRef idx="minor"/>
+    </dgm:style>
+  </dgm:styleLbl>
+  <dgm:styleLbl name="fgAcc2">
+    <dgm:scene3d>
+      <a:camera prst="orthographicFront"/>
+      <a:lightRig rig="threePt" dir="t"/>
+    </dgm:scene3d>
+    <dgm:txPr/>
+    <dgm:style>
+      <a:lnRef idx="2">
+        <a:scrgbClr r="0" g="0" b="0"/>
+      </a:lnRef>
+      <a:fillRef idx="1">
+        <a:scrgbClr r="0" g="0" b="0"/>
+      </a:fillRef>
+      <a:effectRef idx="0">
+        <a:scrgbClr r="0" g="0" b="0"/>
+      </a:effectRef>
+      <a:fontRef idx="minor"/>
+    </dgm:style>
+  </dgm:styleLbl>
+  <dgm:styleLbl name="fgAcc3">
+    <dgm:scene3d>
+      <a:camera prst="orthographicFront"/>
+      <a:lightRig rig="threePt" dir="t"/>
+    </dgm:scene3d>
+    <dgm:txPr/>
+    <dgm:style>
+      <a:lnRef idx="2">
+        <a:scrgbClr r="0" g="0" b="0"/>
+      </a:lnRef>
+      <a:fillRef idx="1">
+        <a:scrgbClr r="0" g="0" b="0"/>
+      </a:fillRef>
+      <a:effectRef idx="0">
+        <a:scrgbClr r="0" g="0" b="0"/>
+      </a:effectRef>
+      <a:fontRef idx="minor"/>
+    </dgm:style>
+  </dgm:styleLbl>
+  <dgm:styleLbl name="fgAcc4">
+    <dgm:scene3d>
+      <a:camera prst="orthographicFront"/>
+      <a:lightRig rig="threePt" dir="t"/>
+    </dgm:scene3d>
+    <dgm:txPr/>
+    <dgm:style>
+      <a:lnRef idx="2">
+        <a:scrgbClr r="0" g="0" b="0"/>
+      </a:lnRef>
+      <a:fillRef idx="1">
+        <a:scrgbClr r="0" g="0" b="0"/>
+      </a:fillRef>
+      <a:effectRef idx="0">
+        <a:scrgbClr r="0" g="0" b="0"/>
+      </a:effectRef>
+      <a:fontRef idx="minor"/>
+    </dgm:style>
+  </dgm:styleLbl>
+  <dgm:styleLbl name="fgAccFollowNode1">
+    <dgm:scene3d>
+      <a:camera prst="orthographicFront"/>
+      <a:lightRig rig="threePt" dir="t"/>
+    </dgm:scene3d>
+    <dgm:txPr/>
+    <dgm:style>
+      <a:lnRef idx="2">
+        <a:scrgbClr r="0" g="0" b="0"/>
+      </a:lnRef>
+      <a:fillRef idx="1">
+        <a:scrgbClr r="0" g="0" b="0"/>
+      </a:fillRef>
+      <a:effectRef idx="0">
+        <a:scrgbClr r="0" g="0" b="0"/>
+      </a:effectRef>
+      <a:fontRef idx="minor"/>
+    </dgm:style>
+  </dgm:styleLbl>
+  <dgm:styleLbl name="fgImgPlace1">
+    <dgm:scene3d>
+      <a:camera prst="orthographicFront"/>
+      <a:lightRig rig="threePt" dir="t"/>
+    </dgm:scene3d>
+    <dgm:txPr/>
+    <dgm:style>
+      <a:lnRef idx="2">
+        <a:scrgbClr r="0" g="0" b="0"/>
+      </a:lnRef>
+      <a:fillRef idx="1">
+        <a:scrgbClr r="0" g="0" b="0"/>
+      </a:fillRef>
+      <a:effectRef idx="0">
+        <a:scrgbClr r="0" g="0" b="0"/>
+      </a:effectRef>
+      <a:fontRef idx="minor"/>
+    </dgm:style>
+  </dgm:styleLbl>
+  <dgm:styleLbl name="fgShp">
+    <dgm:scene3d>
+      <a:camera prst="orthographicFront"/>
+      <a:lightRig rig="threePt" dir="t"/>
+    </dgm:scene3d>
+    <dgm:txPr/>
+    <dgm:style>
+      <a:lnRef idx="2">
+        <a:scrgbClr r="0" g="0" b="0"/>
+      </a:lnRef>
+      <a:fillRef idx="1">
+        <a:scrgbClr r="0" g="0" b="0"/>
+      </a:fillRef>
+      <a:effectRef idx="0">
+        <a:scrgbClr r="0" g="0" b="0"/>
+      </a:effectRef>
+      <a:fontRef idx="minor"/>
+    </dgm:style>
+  </dgm:styleLbl>
+  <dgm:styleLbl name="fgSibTrans2D1">
+    <dgm:scene3d>
+      <a:camera prst="orthographicFront"/>
+      <a:lightRig rig="threePt" dir="t"/>
+    </dgm:scene3d>
+    <dgm:txPr/>
+    <dgm:style>
+      <a:lnRef idx="0">
+        <a:scrgbClr r="0" g="0" b="0"/>
+      </a:lnRef>
+      <a:fillRef idx="1">
+        <a:scrgbClr r="0" g="0" b="0"/>
+      </a:fillRef>
+      <a:effectRef idx="0">
+        <a:scrgbClr r="0" g="0" b="0"/>
+      </a:effectRef>
+      <a:fontRef idx="minor">
+        <a:schemeClr val="lt1"/>
+      </a:fontRef>
+    </dgm:style>
+  </dgm:styleLbl>
+  <dgm:styleLbl name="lnNode1">
+    <dgm:scene3d>
+      <a:camera prst="orthographicFront"/>
+      <a:lightRig rig="threePt" dir="t"/>
+    </dgm:scene3d>
+    <dgm:txPr/>
+    <dgm:style>
+      <a:lnRef idx="2">
+        <a:scrgbClr r="0" g="0" b="0"/>
+      </a:lnRef>
+      <a:fillRef idx="1">
+        <a:scrgbClr r="0" g="0" b="0"/>
+      </a:fillRef>
+      <a:effectRef idx="0">
+        <a:scrgbClr r="0" g="0" b="0"/>
+      </a:effectRef>
+      <a:fontRef idx="minor">
+        <a:schemeClr val="lt1"/>
+      </a:fontRef>
+    </dgm:style>
+  </dgm:styleLbl>
+  <dgm:styleLbl name="node0">
+    <dgm:scene3d>
+      <a:camera prst="orthographicFront"/>
+      <a:lightRig rig="threePt" dir="t"/>
+    </dgm:scene3d>
+    <dgm:txPr/>
+    <dgm:style>
+      <a:lnRef idx="2">
+        <a:scrgbClr r="0" g="0" b="0"/>
+      </a:lnRef>
+      <a:fillRef idx="1">
+        <a:scrgbClr r="0" g="0" b="0"/>
+      </a:fillRef>
+      <a:effectRef idx="0">
+        <a:scrgbClr r="0" g="0" b="0"/>
+      </a:effectRef>
+      <a:fontRef idx="minor">
+        <a:schemeClr val="lt1"/>
+      </a:fontRef>
+    </dgm:style>
+  </dgm:styleLbl>
+  <dgm:styleLbl name="node1">
+    <dgm:scene3d>
+      <a:camera prst="orthographicFront"/>
+      <a:lightRig rig="threePt" dir="t"/>
+    </dgm:scene3d>
+    <dgm:txPr/>
+    <dgm:style>
+      <a:lnRef idx="2">
+        <a:scrgbClr r="0" g="0" b="0"/>
+      </a:lnRef>
+      <a:fillRef idx="1">
+        <a:scrgbClr r="0" g="0" b="0"/>
+      </a:fillRef>
+      <a:effectRef idx="0">
+        <a:scrgbClr r="0" g="0" b="0"/>
+      </a:effectRef>
+      <a:fontRef idx="minor">
+        <a:schemeClr val="lt1"/>
+      </a:fontRef>
+    </dgm:style>
+  </dgm:styleLbl>
+  <dgm:styleLbl name="node2">
+    <dgm:scene3d>
+      <a:camera prst="orthographicFront"/>
+      <a:lightRig rig="threePt" dir="t"/>
+    </dgm:scene3d>
+    <dgm:txPr/>
+    <dgm:style>
+      <a:lnRef idx="2">
+        <a:scrgbClr r="0" g="0" b="0"/>
+      </a:lnRef>
+      <a:fillRef idx="1">
+        <a:scrgbClr r="0" g="0" b="0"/>
+      </a:fillRef>
+      <a:effectRef idx="0">
+        <a:scrgbClr r="0" g="0" b="0"/>
+      </a:effectRef>
+      <a:fontRef idx="minor">
+        <a:schemeClr val="lt1"/>
+      </a:fontRef>
+    </dgm:style>
+  </dgm:styleLbl>
+  <dgm:styleLbl name="node3">
+    <dgm:scene3d>
+      <a:camera prst="orthographicFront"/>
+      <a:lightRig rig="threePt" dir="t"/>
+    </dgm:scene3d>
+    <dgm:txPr/>
+    <dgm:style>
+      <a:lnRef idx="2">
+        <a:scrgbClr r="0" g="0" b="0"/>
+      </a:lnRef>
+      <a:fillRef idx="1">
+        <a:scrgbClr r="0" g="0" b="0"/>
+      </a:fillRef>
+      <a:effectRef idx="0">
+        <a:scrgbClr r="0" g="0" b="0"/>
+      </a:effectRef>
+      <a:fontRef idx="minor">
+        <a:schemeClr val="lt1"/>
+      </a:fontRef>
+    </dgm:style>
+  </dgm:styleLbl>
+  <dgm:styleLbl name="node4">
+    <dgm:scene3d>
+      <a:camera prst="orthographicFront"/>
+      <a:lightRig rig="threePt" dir="t"/>
+    </dgm:scene3d>
+    <dgm:txPr/>
+    <dgm:style>
+      <a:lnRef idx="2">
+        <a:scrgbClr r="0" g="0" b="0"/>
+      </a:lnRef>
+      <a:fillRef idx="1">
+        <a:scrgbClr r="0" g="0" b="0"/>
+      </a:fillRef>
+      <a:effectRef idx="0">
+        <a:scrgbClr r="0" g="0" b="0"/>
+      </a:effectRef>
+      <a:fontRef idx="minor">
+        <a:schemeClr val="lt1"/>
+      </a:fontRef>
+    </dgm:style>
+  </dgm:styleLbl>
+  <dgm:styleLbl name="parChTrans1D1">
+    <dgm:scene3d>
+      <a:camera prst="orthographicFront"/>
+      <a:lightRig rig="threePt" dir="t"/>
+    </dgm:scene3d>
+    <dgm:txPr/>
+    <dgm:style>
+      <a:lnRef idx="2">
+        <a:scrgbClr r="0" g="0" b="0"/>
+      </a:lnRef>
+      <a:fillRef idx="0">
+        <a:scrgbClr r="0" g="0" b="0"/>
+      </a:fillRef>
+      <a:effectRef idx="0">
+        <a:scrgbClr r="0" g="0" b="0"/>
+      </a:effectRef>
+      <a:fontRef idx="minor"/>
+    </dgm:style>
+  </dgm:styleLbl>
+  <dgm:styleLbl name="parChTrans1D2">
+    <dgm:scene3d>
+      <a:camera prst="orthographicFront"/>
+      <a:lightRig rig="threePt" dir="t"/>
+    </dgm:scene3d>
+    <dgm:txPr/>
+    <dgm:style>
+      <a:lnRef idx="2">
+        <a:scrgbClr r="0" g="0" b="0"/>
+      </a:lnRef>
+      <a:fillRef idx="0">
+        <a:scrgbClr r="0" g="0" b="0"/>
+      </a:fillRef>
+      <a:effectRef idx="0">
+        <a:scrgbClr r="0" g="0" b="0"/>
+      </a:effectRef>
+      <a:fontRef idx="minor"/>
+    </dgm:style>
+  </dgm:styleLbl>
+  <dgm:styleLbl name="parChTrans1D3">
+    <dgm:scene3d>
+      <a:camera prst="orthographicFront"/>
+      <a:lightRig rig="threePt" dir="t"/>
+    </dgm:scene3d>
+    <dgm:txPr/>
+    <dgm:style>
+      <a:lnRef idx="2">
+        <a:scrgbClr r="0" g="0" b="0"/>
+      </a:lnRef>
+      <a:fillRef idx="0">
+        <a:scrgbClr r="0" g="0" b="0"/>
+      </a:fillRef>
+      <a:effectRef idx="0">
+        <a:scrgbClr r="0" g="0" b="0"/>
+      </a:effectRef>
+      <a:fontRef idx="minor"/>
+    </dgm:style>
+  </dgm:styleLbl>
+  <dgm:styleLbl name="parChTrans1D4">
+    <dgm:scene3d>
+      <a:camera prst="orthographicFront"/>
+      <a:lightRig rig="threePt" dir="t"/>
+    </dgm:scene3d>
+    <dgm:txPr/>
+    <dgm:style>
+      <a:lnRef idx="2">
+        <a:scrgbClr r="0" g="0" b="0"/>
+      </a:lnRef>
+      <a:fillRef idx="0">
+        <a:scrgbClr r="0" g="0" b="0"/>
+      </a:fillRef>
+      <a:effectRef idx="0">
+        <a:scrgbClr r="0" g="0" b="0"/>
+      </a:effectRef>
+      <a:fontRef idx="minor"/>
+    </dgm:style>
+  </dgm:styleLbl>
+  <dgm:styleLbl name="parChTrans2D1">
+    <dgm:scene3d>
+      <a:camera prst="orthographicFront"/>
+      <a:lightRig rig="threePt" dir="t"/>
+    </dgm:scene3d>
+    <dgm:txPr/>
+    <dgm:style>
+      <a:lnRef idx="2">
+        <a:scrgbClr r="0" g="0" b="0"/>
+      </a:lnRef>
+      <a:fillRef idx="1">
+        <a:scrgbClr r="0" g="0" b="0"/>
+      </a:fillRef>
+      <a:effectRef idx="0">
+        <a:scrgbClr r="0" g="0" b="0"/>
+      </a:effectRef>
+      <a:fontRef idx="minor">
+        <a:schemeClr val="lt1"/>
+      </a:fontRef>
+    </dgm:style>
+  </dgm:styleLbl>
+  <dgm:styleLbl name="parChTrans2D2">
+    <dgm:scene3d>
+      <a:camera prst="orthographicFront"/>
+      <a:lightRig rig="threePt" dir="t"/>
+    </dgm:scene3d>
+    <dgm:txPr/>
+    <dgm:style>
+      <a:lnRef idx="2">
+        <a:scrgbClr r="0" g="0" b="0"/>
+      </a:lnRef>
+      <a:fillRef idx="1">
+        <a:scrgbClr r="0" g="0" b="0"/>
+      </a:fillRef>
+      <a:effectRef idx="0">
+        <a:scrgbClr r="0" g="0" b="0"/>
+      </a:effectRef>
+      <a:fontRef idx="minor">
+        <a:schemeClr val="lt1"/>
+      </a:fontRef>
+    </dgm:style>
+  </dgm:styleLbl>
+  <dgm:styleLbl name="parChTrans2D3">
+    <dgm:scene3d>
+      <a:camera prst="orthographicFront"/>
+      <a:lightRig rig="threePt" dir="t"/>
+    </dgm:scene3d>
+    <dgm:txPr/>
+    <dgm:style>
+      <a:lnRef idx="2">
+        <a:scrgbClr r="0" g="0" b="0"/>
+      </a:lnRef>
+      <a:fillRef idx="1">
+        <a:scrgbClr r="0" g="0" b="0"/>
+      </a:fillRef>
+      <a:effectRef idx="0">
+        <a:scrgbClr r="0" g="0" b="0"/>
+      </a:effectRef>
+      <a:fontRef idx="minor">
+        <a:schemeClr val="lt1"/>
+      </a:fontRef>
+    </dgm:style>
+  </dgm:styleLbl>
+  <dgm:styleLbl name="parChTrans2D4">
+    <dgm:scene3d>
+      <a:camera prst="orthographicFront"/>
+      <a:lightRig rig="threePt" dir="t"/>
+    </dgm:scene3d>
+    <dgm:txPr/>
+    <dgm:style>
+      <a:lnRef idx="2">
+        <a:scrgbClr r="0" g="0" b="0"/>
+      </a:lnRef>
+      <a:fillRef idx="1">
+        <a:scrgbClr r="0" g="0" b="0"/>
+      </a:fillRef>
+      <a:effectRef idx="0">
+        <a:scrgbClr r="0" g="0" b="0"/>
+      </a:effectRef>
+      <a:fontRef idx="minor">
+        <a:schemeClr val="lt1"/>
+      </a:fontRef>
+    </dgm:style>
+  </dgm:styleLbl>
+  <dgm:styleLbl name="revTx">
+    <dgm:scene3d>
+      <a:camera prst="orthographicFront"/>
+      <a:lightRig rig="threePt" dir="t"/>
+    </dgm:scene3d>
+    <dgm:txPr/>
+    <dgm:style>
+      <a:lnRef idx="0">
+        <a:scrgbClr r="0" g="0" b="0"/>
+      </a:lnRef>
+      <a:fillRef idx="0">
+        <a:scrgbClr r="0" g="0" b="0"/>
+      </a:fillRef>
+      <a:effectRef idx="0">
+        <a:scrgbClr r="0" g="0" b="0"/>
+      </a:effectRef>
+      <a:fontRef idx="minor"/>
+    </dgm:style>
+  </dgm:styleLbl>
+  <dgm:styleLbl name="sibTrans1D1">
+    <dgm:scene3d>
+      <a:camera prst="orthographicFront"/>
+      <a:lightRig rig="threePt" dir="t"/>
+    </dgm:scene3d>
+    <dgm:txPr/>
+    <dgm:style>
+      <a:lnRef idx="1">
+        <a:scrgbClr r="0" g="0" b="0"/>
+      </a:lnRef>
+      <a:fillRef idx="0">
+        <a:scrgbClr r="0" g="0" b="0"/>
+      </a:fillRef>
+      <a:effectRef idx="0">
+        <a:scrgbClr r="0" g="0" b="0"/>
+      </a:effectRef>
+      <a:fontRef idx="minor"/>
+    </dgm:style>
+  </dgm:styleLbl>
+  <dgm:styleLbl name="sibTrans2D1">
+    <dgm:scene3d>
+      <a:camera prst="orthographicFront"/>
+      <a:lightRig rig="threePt" dir="t"/>
+    </dgm:scene3d>
+    <dgm:txPr/>
+    <dgm:style>
+      <a:lnRef idx="0">
+        <a:scrgbClr r="0" g="0" b="0"/>
+      </a:lnRef>
+      <a:fillRef idx="1">
+        <a:scrgbClr r="0" g="0" b="0"/>
+      </a:fillRef>
+      <a:effectRef idx="0">
+        <a:scrgbClr r="0" g="0" b="0"/>
+      </a:effectRef>
+      <a:fontRef idx="minor">
+        <a:schemeClr val="lt1"/>
+      </a:fontRef>
+    </dgm:style>
+  </dgm:styleLbl>
+  <dgm:styleLbl name="solidAlignAcc1">
+    <dgm:scene3d>
+      <a:camera prst="orthographicFront"/>
+      <a:lightRig rig="threePt" dir="t"/>
+    </dgm:scene3d>
+    <dgm:txPr/>
+    <dgm:style>
+      <a:lnRef idx="2">
+        <a:scrgbClr r="0" g="0" b="0"/>
+      </a:lnRef>
+      <a:fillRef idx="1">
+        <a:scrgbClr r="0" g="0" b="0"/>
+      </a:fillRef>
+      <a:effectRef idx="0">
+        <a:scrgbClr r="0" g="0" b="0"/>
+      </a:effectRef>
+      <a:fontRef idx="minor"/>
+    </dgm:style>
+  </dgm:styleLbl>
+  <dgm:styleLbl name="solidBgAcc1">
+    <dgm:scene3d>
+      <a:camera prst="orthographicFront"/>
+      <a:lightRig rig="threePt" dir="t"/>
+    </dgm:scene3d>
+    <dgm:txPr/>
+    <dgm:style>
+      <a:lnRef idx="2">
+        <a:scrgbClr r="0" g="0" b="0"/>
+      </a:lnRef>
+      <a:fillRef idx="1">
+        <a:scrgbClr r="0" g="0" b="0"/>
+      </a:fillRef>
+      <a:effectRef idx="0">
+        <a:scrgbClr r="0" g="0" b="0"/>
+      </a:effectRef>
+      <a:fontRef idx="minor"/>
+    </dgm:style>
+  </dgm:styleLbl>
+  <dgm:styleLbl name="solidFgAcc1">
+    <dgm:scene3d>
+      <a:camera prst="orthographicFront"/>
+      <a:lightRig rig="threePt" dir="t"/>
+    </dgm:scene3d>
+    <dgm:txPr/>
+    <dgm:style>
+      <a:lnRef idx="2">
+        <a:scrgbClr r="0" g="0" b="0"/>
+      </a:lnRef>
+      <a:fillRef idx="1">
+        <a:scrgbClr r="0" g="0" b="0"/>
+      </a:fillRef>
+      <a:effectRef idx="0">
+        <a:scrgbClr r="0" g="0" b="0"/>
+      </a:effectRef>
+      <a:fontRef idx="minor"/>
+    </dgm:style>
+  </dgm:styleLbl>
+  <dgm:styleLbl name="trAlignAcc1">
+    <dgm:scene3d>
+      <a:camera prst="orthographicFront"/>
+      <a:lightRig rig="threePt" dir="t"/>
+    </dgm:scene3d>
+    <dgm:txPr/>
+    <dgm:style>
+      <a:lnRef idx="1">
+        <a:scrgbClr r="0" g="0" b="0"/>
+      </a:lnRef>
+      <a:fillRef idx="1">
+        <a:scrgbClr r="0" g="0" b="0"/>
+      </a:fillRef>
+      <a:effectRef idx="0">
+        <a:scrgbClr r="0" g="0" b="0"/>
+      </a:effectRef>
+      <a:fontRef idx="minor"/>
+    </dgm:style>
+  </dgm:styleLbl>
+  <dgm:styleLbl name="trBgShp">
+    <dgm:scene3d>
+      <a:camera prst="orthographicFront"/>
+      <a:lightRig rig="threePt" dir="t"/>
+    </dgm:scene3d>
+    <dgm:txPr/>
+    <dgm:style>
+      <a:lnRef idx="0">
+        <a:scrgbClr r="0" g="0" b="0"/>
+      </a:lnRef>
+      <a:fillRef idx="1">
+        <a:scrgbClr r="0" g="0" b="0"/>
+      </a:fillRef>
+      <a:effectRef idx="0">
+        <a:scrgbClr r="0" g="0" b="0"/>
+      </a:effectRef>
+      <a:fontRef idx="minor"/>
+    </dgm:style>
+  </dgm:styleLbl>
+  <dgm:styleLbl name="vennNode1">
+    <dgm:scene3d>
+      <a:camera prst="orthographicFront"/>
+      <a:lightRig rig="threePt" dir="t"/>
+    </dgm:scene3d>
+    <dgm:txPr/>
+    <dgm:style>
+      <a:lnRef idx="2">
+        <a:scrgbClr r="0" g="0" b="0"/>
+      </a:lnRef>
+      <a:fillRef idx="1">
+        <a:scrgbClr r="0" g="0" b="0"/>
+      </a:fillRef>
+      <a:effectRef idx="0">
+        <a:scrgbClr r="0" g="0" b="0"/>
+      </a:effectRef>
+      <a:fontRef idx="minor">
+        <a:schemeClr val="tx1"/>
+      </a:fontRef>
+    </dgm:style>
+  </dgm:styleLbl>
+</dgm:styleDef>
 </file>
 
 <file path=ppt/notesMasters/notesMaster1.xml><?xml version="1.0" encoding="utf-8"?>
@@ -3478,6 +7169,49 @@
 </p:sld>
 </file>
 
+<file path=ppt/slides/slide10.xml><?xml version="1.0" encoding="utf-8"?>
+<p:sld xmlns:a="http://schemas.openxmlformats.org/drawingml/2006/main" xmlns:r="http://schemas.openxmlformats.org/officeDocument/2006/relationships" xmlns:p="http://schemas.openxmlformats.org/presentationml/2006/main">
+  <p:cSld>
+    <p:spTree>
+      <p:nvGrpSpPr>
+        <p:cNvPr id="1" name=""/>
+        <p:cNvGrpSpPr/>
+        <p:nvPr/>
+      </p:nvGrpSpPr>
+      <p:grpSpPr/>
+      <p:sp>
+        <p:nvSpPr>
+          <p:cNvPr id="4" name="标题 3"/>
+          <p:cNvSpPr>
+            <a:spLocks noGrp="1"/>
+          </p:cNvSpPr>
+          <p:nvPr>
+            <p:ph type="title"/>
+          </p:nvPr>
+        </p:nvSpPr>
+        <p:spPr/>
+        <p:txBody>
+          <a:bodyPr/>
+          <a:p>
+            <a:r>
+              <a:rPr lang="zh-CN" altLang="en-US"/>
+              <a:t>谢谢</a:t>
+            </a:r>
+            <a:endParaRPr lang="zh-CN" altLang="en-US"/>
+          </a:p>
+        </p:txBody>
+      </p:sp>
+    </p:spTree>
+    <p:custDataLst>
+      <p:tags r:id="rId1"/>
+    </p:custDataLst>
+  </p:cSld>
+  <p:clrMapOvr>
+    <a:masterClrMapping/>
+  </p:clrMapOvr>
+</p:sld>
+</file>
+
 <file path=ppt/slides/slide2.xml><?xml version="1.0" encoding="utf-8"?>
 <p:sld xmlns:a="http://schemas.openxmlformats.org/drawingml/2006/main" xmlns:r="http://schemas.openxmlformats.org/officeDocument/2006/relationships" xmlns:p="http://schemas.openxmlformats.org/presentationml/2006/main">
   <p:cSld>
@@ -3599,6 +7333,40 @@
         <p:nvPr/>
       </p:nvGrpSpPr>
       <p:grpSpPr/>
+      <p:graphicFrame>
+        <p:nvGraphicFramePr>
+          <p:cNvPr id="3" name="图示 2"/>
+          <p:cNvGraphicFramePr/>
+          <p:nvPr/>
+        </p:nvGraphicFramePr>
+        <p:xfrm>
+          <a:off x="2055495" y="1042670"/>
+          <a:ext cx="8128000" cy="5418455"/>
+        </p:xfrm>
+        <a:graphic>
+          <a:graphicData uri="http://schemas.openxmlformats.org/drawingml/2006/diagram">
+            <dgm:relIds xmlns:dgm="http://schemas.openxmlformats.org/drawingml/2006/diagram" xmlns:r="http://schemas.openxmlformats.org/officeDocument/2006/relationships" r:dm="rId1" r:lo="rId2" r:qs="rId3" r:cs="rId4"/>
+          </a:graphicData>
+        </a:graphic>
+      </p:graphicFrame>
+    </p:spTree>
+  </p:cSld>
+  <p:clrMapOvr>
+    <a:masterClrMapping/>
+  </p:clrMapOvr>
+</p:sld>
+</file>
+
+<file path=ppt/slides/slide5.xml><?xml version="1.0" encoding="utf-8"?>
+<p:sld xmlns:a="http://schemas.openxmlformats.org/drawingml/2006/main" xmlns:r="http://schemas.openxmlformats.org/officeDocument/2006/relationships" xmlns:p="http://schemas.openxmlformats.org/presentationml/2006/main">
+  <p:cSld>
+    <p:spTree>
+      <p:nvGrpSpPr>
+        <p:cNvPr id="1" name=""/>
+        <p:cNvGrpSpPr/>
+        <p:nvPr/>
+      </p:nvGrpSpPr>
+      <p:grpSpPr/>
       <p:sp>
         <p:nvSpPr>
           <p:cNvPr id="4" name="标题 3"/>
@@ -3636,7 +7404,7 @@
 </p:sld>
 </file>
 
-<file path=ppt/slides/slide5.xml><?xml version="1.0" encoding="utf-8"?>
+<file path=ppt/slides/slide6.xml><?xml version="1.0" encoding="utf-8"?>
 <p:sld xmlns:a="http://schemas.openxmlformats.org/drawingml/2006/main" xmlns:r="http://schemas.openxmlformats.org/officeDocument/2006/relationships" xmlns:p="http://schemas.openxmlformats.org/presentationml/2006/main">
   <p:cSld>
     <p:spTree>
@@ -3715,7 +7483,7 @@
 </p:sld>
 </file>
 
-<file path=ppt/slides/slide6.xml><?xml version="1.0" encoding="utf-8"?>
+<file path=ppt/slides/slide7.xml><?xml version="1.0" encoding="utf-8"?>
 <p:sld xmlns:a="http://schemas.openxmlformats.org/drawingml/2006/main" xmlns:r="http://schemas.openxmlformats.org/officeDocument/2006/relationships" xmlns:p="http://schemas.openxmlformats.org/presentationml/2006/main">
   <p:cSld>
     <p:spTree>
@@ -3798,7 +7566,7 @@
 </p:sld>
 </file>
 
-<file path=ppt/slides/slide7.xml><?xml version="1.0" encoding="utf-8"?>
+<file path=ppt/slides/slide8.xml><?xml version="1.0" encoding="utf-8"?>
 <p:sld xmlns:a="http://schemas.openxmlformats.org/drawingml/2006/main" xmlns:r="http://schemas.openxmlformats.org/officeDocument/2006/relationships" xmlns:p="http://schemas.openxmlformats.org/presentationml/2006/main">
   <p:cSld>
     <p:spTree>
@@ -3841,7 +7609,7 @@
 </p:sld>
 </file>
 
-<file path=ppt/slides/slide8.xml><?xml version="1.0" encoding="utf-8"?>
+<file path=ppt/slides/slide9.xml><?xml version="1.0" encoding="utf-8"?>
 <p:sld xmlns:a="http://schemas.openxmlformats.org/drawingml/2006/main" xmlns:r="http://schemas.openxmlformats.org/officeDocument/2006/relationships" xmlns:p="http://schemas.openxmlformats.org/presentationml/2006/main">
   <p:cSld>
     <p:spTree>
@@ -3925,49 +7693,6 @@
     </p:spTree>
     <p:custDataLst>
       <p:tags r:id="rId3"/>
-    </p:custDataLst>
-  </p:cSld>
-  <p:clrMapOvr>
-    <a:masterClrMapping/>
-  </p:clrMapOvr>
-</p:sld>
-</file>
-
-<file path=ppt/slides/slide9.xml><?xml version="1.0" encoding="utf-8"?>
-<p:sld xmlns:a="http://schemas.openxmlformats.org/drawingml/2006/main" xmlns:r="http://schemas.openxmlformats.org/officeDocument/2006/relationships" xmlns:p="http://schemas.openxmlformats.org/presentationml/2006/main">
-  <p:cSld>
-    <p:spTree>
-      <p:nvGrpSpPr>
-        <p:cNvPr id="1" name=""/>
-        <p:cNvGrpSpPr/>
-        <p:nvPr/>
-      </p:nvGrpSpPr>
-      <p:grpSpPr/>
-      <p:sp>
-        <p:nvSpPr>
-          <p:cNvPr id="4" name="标题 3"/>
-          <p:cNvSpPr>
-            <a:spLocks noGrp="1"/>
-          </p:cNvSpPr>
-          <p:nvPr>
-            <p:ph type="title"/>
-          </p:nvPr>
-        </p:nvSpPr>
-        <p:spPr/>
-        <p:txBody>
-          <a:bodyPr/>
-          <a:p>
-            <a:r>
-              <a:rPr lang="zh-CN" altLang="en-US"/>
-              <a:t>谢谢</a:t>
-            </a:r>
-            <a:endParaRPr lang="zh-CN" altLang="en-US"/>
-          </a:p>
-        </p:txBody>
-      </p:sp>
-    </p:spTree>
-    <p:custDataLst>
-      <p:tags r:id="rId1"/>
     </p:custDataLst>
   </p:cSld>
   <p:clrMapOvr>
